--- a/Presentations/Operating in a Linux Environment.pptx
+++ b/Presentations/Operating in a Linux Environment.pptx
@@ -7,19 +7,16 @@
   <p:sldIdLst>
     <p:sldId id="256" r:id="rId2"/>
     <p:sldId id="257" r:id="rId3"/>
-    <p:sldId id="258" r:id="rId4"/>
-    <p:sldId id="259" r:id="rId5"/>
-    <p:sldId id="263" r:id="rId6"/>
-    <p:sldId id="260" r:id="rId7"/>
-    <p:sldId id="270" r:id="rId8"/>
-    <p:sldId id="265" r:id="rId9"/>
-    <p:sldId id="268" r:id="rId10"/>
-    <p:sldId id="267" r:id="rId11"/>
-    <p:sldId id="269" r:id="rId12"/>
-    <p:sldId id="266" r:id="rId13"/>
-    <p:sldId id="261" r:id="rId14"/>
-    <p:sldId id="262" r:id="rId15"/>
-    <p:sldId id="264" r:id="rId16"/>
+    <p:sldId id="271" r:id="rId4"/>
+    <p:sldId id="272" r:id="rId5"/>
+    <p:sldId id="259" r:id="rId6"/>
+    <p:sldId id="270" r:id="rId7"/>
+    <p:sldId id="265" r:id="rId8"/>
+    <p:sldId id="268" r:id="rId9"/>
+    <p:sldId id="261" r:id="rId10"/>
+    <p:sldId id="262" r:id="rId11"/>
+    <p:sldId id="264" r:id="rId12"/>
+    <p:sldId id="273" r:id="rId13"/>
   </p:sldIdLst>
   <p:sldSz cx="12192000" cy="6858000"/>
   <p:notesSz cx="6858000" cy="9144000"/>
@@ -118,13 +115,18 @@
       </a:defRPr>
     </a:lvl9pPr>
   </p:defaultTextStyle>
+  <p:extLst>
+    <p:ext uri="{EFAFB233-063F-42B5-8137-9DF3F51BA10A}">
+      <p15:sldGuideLst xmlns:p15="http://schemas.microsoft.com/office/powerpoint/2012/main"/>
+    </p:ext>
+  </p:extLst>
 </p:presentation>
 </file>
 
 <file path=ppt/revisionInfo.xml><?xml version="1.0" encoding="utf-8"?>
 <p1510:revInfo xmlns:a="http://schemas.openxmlformats.org/drawingml/2006/main" xmlns:r="http://schemas.openxmlformats.org/officeDocument/2006/relationships" xmlns:p1510="http://schemas.microsoft.com/office/powerpoint/2015/10/main">
   <p1510:revLst>
-    <p1510:client id="{33EFA55D-C3F3-4494-93B4-B4C39F543021}" v="15" dt="2022-08-31T13:13:12.884"/>
+    <p1510:client id="{33EFA55D-C3F3-4494-93B4-B4C39F543021}" v="22" dt="2022-09-08T09:23:27.591"/>
   </p1510:revLst>
 </p1510:revInfo>
 </file>
@@ -134,12 +136,12 @@
   <pc:docChgLst>
     <pc:chgData name="Michael Clear" userId="4937e60f41873431" providerId="LiveId" clId="{33EFA55D-C3F3-4494-93B4-B4C39F543021}"/>
     <pc:docChg chg="undo custSel addSld delSld modSld">
-      <pc:chgData name="Michael Clear" userId="4937e60f41873431" providerId="LiveId" clId="{33EFA55D-C3F3-4494-93B4-B4C39F543021}" dt="2022-08-31T13:13:31.858" v="491" actId="20577"/>
+      <pc:chgData name="Michael Clear" userId="4937e60f41873431" providerId="LiveId" clId="{33EFA55D-C3F3-4494-93B4-B4C39F543021}" dt="2022-09-08T09:30:45.733" v="3077" actId="1076"/>
       <pc:docMkLst>
         <pc:docMk/>
       </pc:docMkLst>
-      <pc:sldChg chg="modSp new mod">
-        <pc:chgData name="Michael Clear" userId="4937e60f41873431" providerId="LiveId" clId="{33EFA55D-C3F3-4494-93B4-B4C39F543021}" dt="2022-08-31T12:58:20.192" v="18" actId="20577"/>
+      <pc:sldChg chg="addSp delSp modSp new mod">
+        <pc:chgData name="Michael Clear" userId="4937e60f41873431" providerId="LiveId" clId="{33EFA55D-C3F3-4494-93B4-B4C39F543021}" dt="2022-09-07T19:52:34.187" v="804" actId="20577"/>
         <pc:sldMkLst>
           <pc:docMk/>
           <pc:sldMk cId="4084040892" sldId="257"/>
@@ -152,9 +154,33 @@
             <ac:spMk id="2" creationId="{7D5E9722-6E13-07AE-FEB5-E8AA057A5B2B}"/>
           </ac:spMkLst>
         </pc:spChg>
+        <pc:spChg chg="del mod">
+          <ac:chgData name="Michael Clear" userId="4937e60f41873431" providerId="LiveId" clId="{33EFA55D-C3F3-4494-93B4-B4C39F543021}" dt="2022-09-07T19:43:57.709" v="502" actId="478"/>
+          <ac:spMkLst>
+            <pc:docMk/>
+            <pc:sldMk cId="4084040892" sldId="257"/>
+            <ac:spMk id="3" creationId="{42822FB1-1689-4BDF-6D4A-81F0430A68EF}"/>
+          </ac:spMkLst>
+        </pc:spChg>
+        <pc:spChg chg="add del mod">
+          <ac:chgData name="Michael Clear" userId="4937e60f41873431" providerId="LiveId" clId="{33EFA55D-C3F3-4494-93B4-B4C39F543021}" dt="2022-09-07T19:43:59.753" v="503" actId="478"/>
+          <ac:spMkLst>
+            <pc:docMk/>
+            <pc:sldMk cId="4084040892" sldId="257"/>
+            <ac:spMk id="5" creationId="{61A754BC-2E1F-D6E6-F915-A3494DB8567F}"/>
+          </ac:spMkLst>
+        </pc:spChg>
+        <pc:spChg chg="add mod">
+          <ac:chgData name="Michael Clear" userId="4937e60f41873431" providerId="LiveId" clId="{33EFA55D-C3F3-4494-93B4-B4C39F543021}" dt="2022-09-07T19:52:34.187" v="804" actId="20577"/>
+          <ac:spMkLst>
+            <pc:docMk/>
+            <pc:sldMk cId="4084040892" sldId="257"/>
+            <ac:spMk id="6" creationId="{B9C23DC2-6A66-82FC-D74F-5E86133E79D6}"/>
+          </ac:spMkLst>
+        </pc:spChg>
       </pc:sldChg>
-      <pc:sldChg chg="modSp add mod">
-        <pc:chgData name="Michael Clear" userId="4937e60f41873431" providerId="LiveId" clId="{33EFA55D-C3F3-4494-93B4-B4C39F543021}" dt="2022-08-31T12:58:29.133" v="28" actId="20577"/>
+      <pc:sldChg chg="modSp add del mod">
+        <pc:chgData name="Michael Clear" userId="4937e60f41873431" providerId="LiveId" clId="{33EFA55D-C3F3-4494-93B4-B4C39F543021}" dt="2022-09-07T19:47:03.251" v="637" actId="47"/>
         <pc:sldMkLst>
           <pc:docMk/>
           <pc:sldMk cId="1704621666" sldId="258"/>
@@ -168,8 +194,8 @@
           </ac:spMkLst>
         </pc:spChg>
       </pc:sldChg>
-      <pc:sldChg chg="modSp add mod">
-        <pc:chgData name="Michael Clear" userId="4937e60f41873431" providerId="LiveId" clId="{33EFA55D-C3F3-4494-93B4-B4C39F543021}" dt="2022-08-31T13:01:50.032" v="191" actId="20577"/>
+      <pc:sldChg chg="addSp delSp modSp add mod">
+        <pc:chgData name="Michael Clear" userId="4937e60f41873431" providerId="LiveId" clId="{33EFA55D-C3F3-4494-93B4-B4C39F543021}" dt="2022-09-08T00:33:01.987" v="2889" actId="2711"/>
         <pc:sldMkLst>
           <pc:docMk/>
           <pc:sldMk cId="1157496143" sldId="259"/>
@@ -182,9 +208,41 @@
             <ac:spMk id="2" creationId="{7D5E9722-6E13-07AE-FEB5-E8AA057A5B2B}"/>
           </ac:spMkLst>
         </pc:spChg>
+        <pc:spChg chg="del">
+          <ac:chgData name="Michael Clear" userId="4937e60f41873431" providerId="LiveId" clId="{33EFA55D-C3F3-4494-93B4-B4C39F543021}" dt="2022-09-07T19:56:57.828" v="1164" actId="478"/>
+          <ac:spMkLst>
+            <pc:docMk/>
+            <pc:sldMk cId="1157496143" sldId="259"/>
+            <ac:spMk id="3" creationId="{42822FB1-1689-4BDF-6D4A-81F0430A68EF}"/>
+          </ac:spMkLst>
+        </pc:spChg>
+        <pc:spChg chg="add mod">
+          <ac:chgData name="Michael Clear" userId="4937e60f41873431" providerId="LiveId" clId="{33EFA55D-C3F3-4494-93B4-B4C39F543021}" dt="2022-09-07T22:09:03.689" v="1986" actId="1076"/>
+          <ac:spMkLst>
+            <pc:docMk/>
+            <pc:sldMk cId="1157496143" sldId="259"/>
+            <ac:spMk id="3" creationId="{45DAB3A3-8DAD-8CF2-0D12-8E079280FF9F}"/>
+          </ac:spMkLst>
+        </pc:spChg>
+        <pc:spChg chg="add mod">
+          <ac:chgData name="Michael Clear" userId="4937e60f41873431" providerId="LiveId" clId="{33EFA55D-C3F3-4494-93B4-B4C39F543021}" dt="2022-09-08T00:33:01.987" v="2889" actId="2711"/>
+          <ac:spMkLst>
+            <pc:docMk/>
+            <pc:sldMk cId="1157496143" sldId="259"/>
+            <ac:spMk id="5" creationId="{482016BD-5D0B-6427-4F08-A39CCD44F094}"/>
+          </ac:spMkLst>
+        </pc:spChg>
+        <pc:spChg chg="add mod">
+          <ac:chgData name="Michael Clear" userId="4937e60f41873431" providerId="LiveId" clId="{33EFA55D-C3F3-4494-93B4-B4C39F543021}" dt="2022-09-07T22:09:38.875" v="2020" actId="20577"/>
+          <ac:spMkLst>
+            <pc:docMk/>
+            <pc:sldMk cId="1157496143" sldId="259"/>
+            <ac:spMk id="7" creationId="{C28FE841-0256-FCA3-42F7-73F303952E97}"/>
+          </ac:spMkLst>
+        </pc:spChg>
       </pc:sldChg>
-      <pc:sldChg chg="modSp add mod">
-        <pc:chgData name="Michael Clear" userId="4937e60f41873431" providerId="LiveId" clId="{33EFA55D-C3F3-4494-93B4-B4C39F543021}" dt="2022-08-31T12:59:26.229" v="107" actId="20577"/>
+      <pc:sldChg chg="delSp modSp add mod">
+        <pc:chgData name="Michael Clear" userId="4937e60f41873431" providerId="LiveId" clId="{33EFA55D-C3F3-4494-93B4-B4C39F543021}" dt="2022-09-07T23:04:16.723" v="2021" actId="478"/>
         <pc:sldMkLst>
           <pc:docMk/>
           <pc:sldMk cId="1734964777" sldId="260"/>
@@ -197,9 +255,17 @@
             <ac:spMk id="2" creationId="{7D5E9722-6E13-07AE-FEB5-E8AA057A5B2B}"/>
           </ac:spMkLst>
         </pc:spChg>
+        <pc:spChg chg="del">
+          <ac:chgData name="Michael Clear" userId="4937e60f41873431" providerId="LiveId" clId="{33EFA55D-C3F3-4494-93B4-B4C39F543021}" dt="2022-09-07T23:04:16.723" v="2021" actId="478"/>
+          <ac:spMkLst>
+            <pc:docMk/>
+            <pc:sldMk cId="1734964777" sldId="260"/>
+            <ac:spMk id="3" creationId="{42822FB1-1689-4BDF-6D4A-81F0430A68EF}"/>
+          </ac:spMkLst>
+        </pc:spChg>
       </pc:sldChg>
       <pc:sldChg chg="modSp add mod">
-        <pc:chgData name="Michael Clear" userId="4937e60f41873431" providerId="LiveId" clId="{33EFA55D-C3F3-4494-93B4-B4C39F543021}" dt="2022-08-31T12:59:35.005" v="126" actId="20577"/>
+        <pc:chgData name="Michael Clear" userId="4937e60f41873431" providerId="LiveId" clId="{33EFA55D-C3F3-4494-93B4-B4C39F543021}" dt="2022-09-08T09:30:45.733" v="3077" actId="1076"/>
         <pc:sldMkLst>
           <pc:docMk/>
           <pc:sldMk cId="996997540" sldId="261"/>
@@ -210,6 +276,46 @@
             <pc:docMk/>
             <pc:sldMk cId="996997540" sldId="261"/>
             <ac:spMk id="2" creationId="{7D5E9722-6E13-07AE-FEB5-E8AA057A5B2B}"/>
+          </ac:spMkLst>
+        </pc:spChg>
+        <pc:spChg chg="mod">
+          <ac:chgData name="Michael Clear" userId="4937e60f41873431" providerId="LiveId" clId="{33EFA55D-C3F3-4494-93B4-B4C39F543021}" dt="2022-09-08T09:30:38.678" v="3076" actId="20577"/>
+          <ac:spMkLst>
+            <pc:docMk/>
+            <pc:sldMk cId="996997540" sldId="261"/>
+            <ac:spMk id="4" creationId="{0E64A124-5D67-7645-50EF-5FE1CD2D21E3}"/>
+          </ac:spMkLst>
+        </pc:spChg>
+        <pc:spChg chg="mod">
+          <ac:chgData name="Michael Clear" userId="4937e60f41873431" providerId="LiveId" clId="{33EFA55D-C3F3-4494-93B4-B4C39F543021}" dt="2022-09-08T09:28:58.883" v="3017" actId="14100"/>
+          <ac:spMkLst>
+            <pc:docMk/>
+            <pc:sldMk cId="996997540" sldId="261"/>
+            <ac:spMk id="6" creationId="{F9898172-0ED4-9EFC-4C5F-61FC29681115}"/>
+          </ac:spMkLst>
+        </pc:spChg>
+        <pc:spChg chg="mod">
+          <ac:chgData name="Michael Clear" userId="4937e60f41873431" providerId="LiveId" clId="{33EFA55D-C3F3-4494-93B4-B4C39F543021}" dt="2022-09-08T09:30:45.733" v="3077" actId="1076"/>
+          <ac:spMkLst>
+            <pc:docMk/>
+            <pc:sldMk cId="996997540" sldId="261"/>
+            <ac:spMk id="8" creationId="{5FFDF076-D3A2-73D5-1241-FFF139AE51C8}"/>
+          </ac:spMkLst>
+        </pc:spChg>
+        <pc:spChg chg="mod">
+          <ac:chgData name="Michael Clear" userId="4937e60f41873431" providerId="LiveId" clId="{33EFA55D-C3F3-4494-93B4-B4C39F543021}" dt="2022-09-08T09:30:45.733" v="3077" actId="1076"/>
+          <ac:spMkLst>
+            <pc:docMk/>
+            <pc:sldMk cId="996997540" sldId="261"/>
+            <ac:spMk id="10" creationId="{570987B1-B040-965E-AD08-8E407588263A}"/>
+          </ac:spMkLst>
+        </pc:spChg>
+        <pc:spChg chg="mod">
+          <ac:chgData name="Michael Clear" userId="4937e60f41873431" providerId="LiveId" clId="{33EFA55D-C3F3-4494-93B4-B4C39F543021}" dt="2022-09-08T09:30:45.733" v="3077" actId="1076"/>
+          <ac:spMkLst>
+            <pc:docMk/>
+            <pc:sldMk cId="996997540" sldId="261"/>
+            <ac:spMk id="12" creationId="{32BD946C-26D9-CAA2-4C12-40907B853A5F}"/>
           </ac:spMkLst>
         </pc:spChg>
       </pc:sldChg>
@@ -244,7 +350,7 @@
         </pc:spChg>
       </pc:sldChg>
       <pc:sldChg chg="modSp add mod">
-        <pc:chgData name="Michael Clear" userId="4937e60f41873431" providerId="LiveId" clId="{33EFA55D-C3F3-4494-93B4-B4C39F543021}" dt="2022-08-31T13:02:59.230" v="264" actId="20577"/>
+        <pc:chgData name="Michael Clear" userId="4937e60f41873431" providerId="LiveId" clId="{33EFA55D-C3F3-4494-93B4-B4C39F543021}" dt="2022-09-08T09:23:23.612" v="2904" actId="1076"/>
         <pc:sldMkLst>
           <pc:docMk/>
           <pc:sldMk cId="2526571567" sldId="264"/>
@@ -257,9 +363,25 @@
             <ac:spMk id="2" creationId="{7D5E9722-6E13-07AE-FEB5-E8AA057A5B2B}"/>
           </ac:spMkLst>
         </pc:spChg>
+        <pc:spChg chg="mod">
+          <ac:chgData name="Michael Clear" userId="4937e60f41873431" providerId="LiveId" clId="{33EFA55D-C3F3-4494-93B4-B4C39F543021}" dt="2022-09-08T09:23:23.612" v="2904" actId="1076"/>
+          <ac:spMkLst>
+            <pc:docMk/>
+            <pc:sldMk cId="2526571567" sldId="264"/>
+            <ac:spMk id="5" creationId="{A65E1E19-D10D-7F01-7A15-0E951525538E}"/>
+          </ac:spMkLst>
+        </pc:spChg>
+        <pc:spChg chg="mod">
+          <ac:chgData name="Michael Clear" userId="4937e60f41873431" providerId="LiveId" clId="{33EFA55D-C3F3-4494-93B4-B4C39F543021}" dt="2022-09-08T09:23:20.262" v="2903" actId="1076"/>
+          <ac:spMkLst>
+            <pc:docMk/>
+            <pc:sldMk cId="2526571567" sldId="264"/>
+            <ac:spMk id="9" creationId="{4317F110-8A72-4B74-6044-B5B047ADC7B6}"/>
+          </ac:spMkLst>
+        </pc:spChg>
       </pc:sldChg>
-      <pc:sldChg chg="modSp add mod">
-        <pc:chgData name="Michael Clear" userId="4937e60f41873431" providerId="LiveId" clId="{33EFA55D-C3F3-4494-93B4-B4C39F543021}" dt="2022-08-31T13:09:49.699" v="293" actId="20577"/>
+      <pc:sldChg chg="addSp delSp modSp add mod">
+        <pc:chgData name="Michael Clear" userId="4937e60f41873431" providerId="LiveId" clId="{33EFA55D-C3F3-4494-93B4-B4C39F543021}" dt="2022-09-07T23:19:17.171" v="2840" actId="20577"/>
         <pc:sldMkLst>
           <pc:docMk/>
           <pc:sldMk cId="2975295539" sldId="265"/>
@@ -270,6 +392,22 @@
             <pc:docMk/>
             <pc:sldMk cId="2975295539" sldId="265"/>
             <ac:spMk id="2" creationId="{7D5E9722-6E13-07AE-FEB5-E8AA057A5B2B}"/>
+          </ac:spMkLst>
+        </pc:spChg>
+        <pc:spChg chg="del">
+          <ac:chgData name="Michael Clear" userId="4937e60f41873431" providerId="LiveId" clId="{33EFA55D-C3F3-4494-93B4-B4C39F543021}" dt="2022-09-07T23:11:13.971" v="2473" actId="478"/>
+          <ac:spMkLst>
+            <pc:docMk/>
+            <pc:sldMk cId="2975295539" sldId="265"/>
+            <ac:spMk id="3" creationId="{42822FB1-1689-4BDF-6D4A-81F0430A68EF}"/>
+          </ac:spMkLst>
+        </pc:spChg>
+        <pc:spChg chg="add mod">
+          <ac:chgData name="Michael Clear" userId="4937e60f41873431" providerId="LiveId" clId="{33EFA55D-C3F3-4494-93B4-B4C39F543021}" dt="2022-09-07T23:19:17.171" v="2840" actId="20577"/>
+          <ac:spMkLst>
+            <pc:docMk/>
+            <pc:sldMk cId="2975295539" sldId="265"/>
+            <ac:spMk id="5" creationId="{13E55BDB-6092-032E-7508-2A3F842006EA}"/>
           </ac:spMkLst>
         </pc:spChg>
       </pc:sldChg>
@@ -295,8 +433,8 @@
           <pc:sldMk cId="1649209107" sldId="267"/>
         </pc:sldMkLst>
       </pc:sldChg>
-      <pc:sldChg chg="modSp add mod">
-        <pc:chgData name="Michael Clear" userId="4937e60f41873431" providerId="LiveId" clId="{33EFA55D-C3F3-4494-93B4-B4C39F543021}" dt="2022-08-31T13:11:22.907" v="399" actId="20577"/>
+      <pc:sldChg chg="modSp add del mod">
+        <pc:chgData name="Michael Clear" userId="4937e60f41873431" providerId="LiveId" clId="{33EFA55D-C3F3-4494-93B4-B4C39F543021}" dt="2022-09-08T09:26:43.480" v="2983" actId="47"/>
         <pc:sldMkLst>
           <pc:docMk/>
           <pc:sldMk cId="3276219256" sldId="267"/>
@@ -310,8 +448,8 @@
           </ac:spMkLst>
         </pc:spChg>
       </pc:sldChg>
-      <pc:sldChg chg="modSp add mod">
-        <pc:chgData name="Michael Clear" userId="4937e60f41873431" providerId="LiveId" clId="{33EFA55D-C3F3-4494-93B4-B4C39F543021}" dt="2022-08-31T13:11:08.768" v="373" actId="20577"/>
+      <pc:sldChg chg="delSp modSp add mod">
+        <pc:chgData name="Michael Clear" userId="4937e60f41873431" providerId="LiveId" clId="{33EFA55D-C3F3-4494-93B4-B4C39F543021}" dt="2022-09-07T23:19:30.273" v="2841" actId="478"/>
         <pc:sldMkLst>
           <pc:docMk/>
           <pc:sldMk cId="1839902039" sldId="268"/>
@@ -324,15 +462,23 @@
             <ac:spMk id="2" creationId="{7D5E9722-6E13-07AE-FEB5-E8AA057A5B2B}"/>
           </ac:spMkLst>
         </pc:spChg>
+        <pc:spChg chg="del">
+          <ac:chgData name="Michael Clear" userId="4937e60f41873431" providerId="LiveId" clId="{33EFA55D-C3F3-4494-93B4-B4C39F543021}" dt="2022-09-07T23:19:30.273" v="2841" actId="478"/>
+          <ac:spMkLst>
+            <pc:docMk/>
+            <pc:sldMk cId="1839902039" sldId="268"/>
+            <ac:spMk id="3" creationId="{42822FB1-1689-4BDF-6D4A-81F0430A68EF}"/>
+          </ac:spMkLst>
+        </pc:spChg>
       </pc:sldChg>
-      <pc:sldChg chg="modSp add mod">
-        <pc:chgData name="Michael Clear" userId="4937e60f41873431" providerId="LiveId" clId="{33EFA55D-C3F3-4494-93B4-B4C39F543021}" dt="2022-08-31T13:11:38.181" v="431" actId="20577"/>
+      <pc:sldChg chg="modSp add del mod">
+        <pc:chgData name="Michael Clear" userId="4937e60f41873431" providerId="LiveId" clId="{33EFA55D-C3F3-4494-93B4-B4C39F543021}" dt="2022-09-08T09:26:10.413" v="2982" actId="47"/>
         <pc:sldMkLst>
           <pc:docMk/>
           <pc:sldMk cId="2805824339" sldId="269"/>
         </pc:sldMkLst>
         <pc:spChg chg="mod">
-          <ac:chgData name="Michael Clear" userId="4937e60f41873431" providerId="LiveId" clId="{33EFA55D-C3F3-4494-93B4-B4C39F543021}" dt="2022-08-31T13:11:38.181" v="431" actId="20577"/>
+          <ac:chgData name="Michael Clear" userId="4937e60f41873431" providerId="LiveId" clId="{33EFA55D-C3F3-4494-93B4-B4C39F543021}" dt="2022-09-07T23:19:46.798" v="2849" actId="2711"/>
           <ac:spMkLst>
             <pc:docMk/>
             <pc:sldMk cId="2805824339" sldId="269"/>
@@ -340,8 +486,8 @@
           </ac:spMkLst>
         </pc:spChg>
       </pc:sldChg>
-      <pc:sldChg chg="modSp add mod">
-        <pc:chgData name="Michael Clear" userId="4937e60f41873431" providerId="LiveId" clId="{33EFA55D-C3F3-4494-93B4-B4C39F543021}" dt="2022-08-31T13:13:31.858" v="491" actId="20577"/>
+      <pc:sldChg chg="addSp delSp modSp add mod">
+        <pc:chgData name="Michael Clear" userId="4937e60f41873431" providerId="LiveId" clId="{33EFA55D-C3F3-4494-93B4-B4C39F543021}" dt="2022-09-08T09:28:17.647" v="3003" actId="2711"/>
         <pc:sldMkLst>
           <pc:docMk/>
           <pc:sldMk cId="3227303164" sldId="270"/>
@@ -351,6 +497,186 @@
           <ac:spMkLst>
             <pc:docMk/>
             <pc:sldMk cId="3227303164" sldId="270"/>
+            <ac:spMk id="2" creationId="{7D5E9722-6E13-07AE-FEB5-E8AA057A5B2B}"/>
+          </ac:spMkLst>
+        </pc:spChg>
+        <pc:spChg chg="del">
+          <ac:chgData name="Michael Clear" userId="4937e60f41873431" providerId="LiveId" clId="{33EFA55D-C3F3-4494-93B4-B4C39F543021}" dt="2022-09-07T23:04:27.584" v="2022" actId="478"/>
+          <ac:spMkLst>
+            <pc:docMk/>
+            <pc:sldMk cId="3227303164" sldId="270"/>
+            <ac:spMk id="3" creationId="{42822FB1-1689-4BDF-6D4A-81F0430A68EF}"/>
+          </ac:spMkLst>
+        </pc:spChg>
+        <pc:spChg chg="add mod">
+          <ac:chgData name="Michael Clear" userId="4937e60f41873431" providerId="LiveId" clId="{33EFA55D-C3F3-4494-93B4-B4C39F543021}" dt="2022-09-07T23:05:20.980" v="2050" actId="1076"/>
+          <ac:spMkLst>
+            <pc:docMk/>
+            <pc:sldMk cId="3227303164" sldId="270"/>
+            <ac:spMk id="4" creationId="{447DA1A9-AB20-7839-0086-C56B8F3D07FC}"/>
+          </ac:spMkLst>
+        </pc:spChg>
+        <pc:spChg chg="add mod">
+          <ac:chgData name="Michael Clear" userId="4937e60f41873431" providerId="LiveId" clId="{33EFA55D-C3F3-4494-93B4-B4C39F543021}" dt="2022-09-07T23:05:36.966" v="2061" actId="1076"/>
+          <ac:spMkLst>
+            <pc:docMk/>
+            <pc:sldMk cId="3227303164" sldId="270"/>
+            <ac:spMk id="6" creationId="{D5A2E911-D9C9-561D-D81C-981F28DA9F3A}"/>
+          </ac:spMkLst>
+        </pc:spChg>
+        <pc:spChg chg="add mod">
+          <ac:chgData name="Michael Clear" userId="4937e60f41873431" providerId="LiveId" clId="{33EFA55D-C3F3-4494-93B4-B4C39F543021}" dt="2022-09-08T09:28:17.647" v="3003" actId="2711"/>
+          <ac:spMkLst>
+            <pc:docMk/>
+            <pc:sldMk cId="3227303164" sldId="270"/>
+            <ac:spMk id="8" creationId="{598B8BD3-106E-18AF-A5E2-FA11F493BC4B}"/>
+          </ac:spMkLst>
+        </pc:spChg>
+        <pc:spChg chg="add del">
+          <ac:chgData name="Michael Clear" userId="4937e60f41873431" providerId="LiveId" clId="{33EFA55D-C3F3-4494-93B4-B4C39F543021}" dt="2022-09-07T23:07:47.233" v="2176" actId="22"/>
+          <ac:spMkLst>
+            <pc:docMk/>
+            <pc:sldMk cId="3227303164" sldId="270"/>
+            <ac:spMk id="10" creationId="{DCF9B208-84C8-A9AA-48FD-AED8C989E5BA}"/>
+          </ac:spMkLst>
+        </pc:spChg>
+        <pc:spChg chg="add mod">
+          <ac:chgData name="Michael Clear" userId="4937e60f41873431" providerId="LiveId" clId="{33EFA55D-C3F3-4494-93B4-B4C39F543021}" dt="2022-09-07T23:11:01.505" v="2472"/>
+          <ac:spMkLst>
+            <pc:docMk/>
+            <pc:sldMk cId="3227303164" sldId="270"/>
+            <ac:spMk id="12" creationId="{FAE6E779-AF54-EFEE-F4C0-EA51338EF0E3}"/>
+          </ac:spMkLst>
+        </pc:spChg>
+      </pc:sldChg>
+      <pc:sldChg chg="addSp modSp add mod">
+        <pc:chgData name="Michael Clear" userId="4937e60f41873431" providerId="LiveId" clId="{33EFA55D-C3F3-4494-93B4-B4C39F543021}" dt="2022-09-07T19:48:52.287" v="754" actId="20577"/>
+        <pc:sldMkLst>
+          <pc:docMk/>
+          <pc:sldMk cId="531924334" sldId="271"/>
+        </pc:sldMkLst>
+        <pc:spChg chg="mod">
+          <ac:chgData name="Michael Clear" userId="4937e60f41873431" providerId="LiveId" clId="{33EFA55D-C3F3-4494-93B4-B4C39F543021}" dt="2022-09-07T19:47:14.348" v="646" actId="20577"/>
+          <ac:spMkLst>
+            <pc:docMk/>
+            <pc:sldMk cId="531924334" sldId="271"/>
+            <ac:spMk id="2" creationId="{7D5E9722-6E13-07AE-FEB5-E8AA057A5B2B}"/>
+          </ac:spMkLst>
+        </pc:spChg>
+        <pc:spChg chg="add mod">
+          <ac:chgData name="Michael Clear" userId="4937e60f41873431" providerId="LiveId" clId="{33EFA55D-C3F3-4494-93B4-B4C39F543021}" dt="2022-09-07T19:48:09.851" v="734" actId="1076"/>
+          <ac:spMkLst>
+            <pc:docMk/>
+            <pc:sldMk cId="531924334" sldId="271"/>
+            <ac:spMk id="4" creationId="{EC090564-3F3D-E987-B5A7-76A0F2BC5BF4}"/>
+          </ac:spMkLst>
+        </pc:spChg>
+        <pc:spChg chg="mod">
+          <ac:chgData name="Michael Clear" userId="4937e60f41873431" providerId="LiveId" clId="{33EFA55D-C3F3-4494-93B4-B4C39F543021}" dt="2022-09-07T19:47:52.569" v="718" actId="20577"/>
+          <ac:spMkLst>
+            <pc:docMk/>
+            <pc:sldMk cId="531924334" sldId="271"/>
+            <ac:spMk id="6" creationId="{B9C23DC2-6A66-82FC-D74F-5E86133E79D6}"/>
+          </ac:spMkLst>
+        </pc:spChg>
+        <pc:spChg chg="add mod">
+          <ac:chgData name="Michael Clear" userId="4937e60f41873431" providerId="LiveId" clId="{33EFA55D-C3F3-4494-93B4-B4C39F543021}" dt="2022-09-07T19:48:21.550" v="748" actId="20577"/>
+          <ac:spMkLst>
+            <pc:docMk/>
+            <pc:sldMk cId="531924334" sldId="271"/>
+            <ac:spMk id="7" creationId="{19870009-4C6A-10A6-9CF3-A935542C878B}"/>
+          </ac:spMkLst>
+        </pc:spChg>
+        <pc:spChg chg="add mod">
+          <ac:chgData name="Michael Clear" userId="4937e60f41873431" providerId="LiveId" clId="{33EFA55D-C3F3-4494-93B4-B4C39F543021}" dt="2022-09-07T19:48:52.287" v="754" actId="20577"/>
+          <ac:spMkLst>
+            <pc:docMk/>
+            <pc:sldMk cId="531924334" sldId="271"/>
+            <ac:spMk id="9" creationId="{4EA0B571-5AF9-5CB1-8142-DB7AE7901791}"/>
+          </ac:spMkLst>
+        </pc:spChg>
+      </pc:sldChg>
+      <pc:sldChg chg="delSp modSp add mod">
+        <pc:chgData name="Michael Clear" userId="4937e60f41873431" providerId="LiveId" clId="{33EFA55D-C3F3-4494-93B4-B4C39F543021}" dt="2022-09-07T19:55:50.062" v="1135" actId="20577"/>
+        <pc:sldMkLst>
+          <pc:docMk/>
+          <pc:sldMk cId="831437136" sldId="272"/>
+        </pc:sldMkLst>
+        <pc:spChg chg="mod">
+          <ac:chgData name="Michael Clear" userId="4937e60f41873431" providerId="LiveId" clId="{33EFA55D-C3F3-4494-93B4-B4C39F543021}" dt="2022-09-07T19:49:20.126" v="790" actId="20577"/>
+          <ac:spMkLst>
+            <pc:docMk/>
+            <pc:sldMk cId="831437136" sldId="272"/>
+            <ac:spMk id="2" creationId="{7D5E9722-6E13-07AE-FEB5-E8AA057A5B2B}"/>
+          </ac:spMkLst>
+        </pc:spChg>
+        <pc:spChg chg="mod">
+          <ac:chgData name="Michael Clear" userId="4937e60f41873431" providerId="LiveId" clId="{33EFA55D-C3F3-4494-93B4-B4C39F543021}" dt="2022-09-07T19:55:04.797" v="1042" actId="20577"/>
+          <ac:spMkLst>
+            <pc:docMk/>
+            <pc:sldMk cId="831437136" sldId="272"/>
+            <ac:spMk id="4" creationId="{EC090564-3F3D-E987-B5A7-76A0F2BC5BF4}"/>
+          </ac:spMkLst>
+        </pc:spChg>
+        <pc:spChg chg="mod">
+          <ac:chgData name="Michael Clear" userId="4937e60f41873431" providerId="LiveId" clId="{33EFA55D-C3F3-4494-93B4-B4C39F543021}" dt="2022-09-07T19:53:45.648" v="940" actId="20577"/>
+          <ac:spMkLst>
+            <pc:docMk/>
+            <pc:sldMk cId="831437136" sldId="272"/>
+            <ac:spMk id="6" creationId="{B9C23DC2-6A66-82FC-D74F-5E86133E79D6}"/>
+          </ac:spMkLst>
+        </pc:spChg>
+        <pc:spChg chg="mod">
+          <ac:chgData name="Michael Clear" userId="4937e60f41873431" providerId="LiveId" clId="{33EFA55D-C3F3-4494-93B4-B4C39F543021}" dt="2022-09-07T19:55:50.062" v="1135" actId="20577"/>
+          <ac:spMkLst>
+            <pc:docMk/>
+            <pc:sldMk cId="831437136" sldId="272"/>
+            <ac:spMk id="7" creationId="{19870009-4C6A-10A6-9CF3-A935542C878B}"/>
+          </ac:spMkLst>
+        </pc:spChg>
+        <pc:spChg chg="del mod">
+          <ac:chgData name="Michael Clear" userId="4937e60f41873431" providerId="LiveId" clId="{33EFA55D-C3F3-4494-93B4-B4C39F543021}" dt="2022-09-07T19:55:29.686" v="1087" actId="478"/>
+          <ac:spMkLst>
+            <pc:docMk/>
+            <pc:sldMk cId="831437136" sldId="272"/>
+            <ac:spMk id="9" creationId="{4EA0B571-5AF9-5CB1-8142-DB7AE7901791}"/>
+          </ac:spMkLst>
+        </pc:spChg>
+      </pc:sldChg>
+      <pc:sldChg chg="modSp add mod">
+        <pc:chgData name="Michael Clear" userId="4937e60f41873431" providerId="LiveId" clId="{33EFA55D-C3F3-4494-93B4-B4C39F543021}" dt="2022-09-08T09:25:53.386" v="2981" actId="20577"/>
+        <pc:sldMkLst>
+          <pc:docMk/>
+          <pc:sldMk cId="938472310" sldId="273"/>
+        </pc:sldMkLst>
+        <pc:spChg chg="mod">
+          <ac:chgData name="Michael Clear" userId="4937e60f41873431" providerId="LiveId" clId="{33EFA55D-C3F3-4494-93B4-B4C39F543021}" dt="2022-09-08T09:23:56.574" v="2947" actId="20577"/>
+          <ac:spMkLst>
+            <pc:docMk/>
+            <pc:sldMk cId="938472310" sldId="273"/>
+            <ac:spMk id="5" creationId="{A65E1E19-D10D-7F01-7A15-0E951525538E}"/>
+          </ac:spMkLst>
+        </pc:spChg>
+        <pc:spChg chg="mod">
+          <ac:chgData name="Michael Clear" userId="4937e60f41873431" providerId="LiveId" clId="{33EFA55D-C3F3-4494-93B4-B4C39F543021}" dt="2022-09-08T09:25:53.386" v="2981" actId="20577"/>
+          <ac:spMkLst>
+            <pc:docMk/>
+            <pc:sldMk cId="938472310" sldId="273"/>
+            <ac:spMk id="9" creationId="{4317F110-8A72-4B74-6044-B5B047ADC7B6}"/>
+          </ac:spMkLst>
+        </pc:spChg>
+      </pc:sldChg>
+      <pc:sldChg chg="modSp add del mod">
+        <pc:chgData name="Michael Clear" userId="4937e60f41873431" providerId="LiveId" clId="{33EFA55D-C3F3-4494-93B4-B4C39F543021}" dt="2022-09-07T19:56:53.025" v="1163" actId="47"/>
+        <pc:sldMkLst>
+          <pc:docMk/>
+          <pc:sldMk cId="4024821857" sldId="273"/>
+        </pc:sldMkLst>
+        <pc:spChg chg="mod">
+          <ac:chgData name="Michael Clear" userId="4937e60f41873431" providerId="LiveId" clId="{33EFA55D-C3F3-4494-93B4-B4C39F543021}" dt="2022-09-07T19:56:47.529" v="1162" actId="20577"/>
+          <ac:spMkLst>
+            <pc:docMk/>
+            <pc:sldMk cId="4024821857" sldId="273"/>
             <ac:spMk id="2" creationId="{7D5E9722-6E13-07AE-FEB5-E8AA057A5B2B}"/>
           </ac:spMkLst>
         </pc:spChg>
@@ -507,7 +833,7 @@
           <a:p>
             <a:fld id="{C5A87847-E20C-49E1-95AF-CA9A4A064536}" type="datetimeFigureOut">
               <a:rPr lang="en-US" smtClean="0"/>
-              <a:t>8/31/2022</a:t>
+              <a:t>9/8/2022</a:t>
             </a:fld>
             <a:endParaRPr lang="en-US"/>
           </a:p>
@@ -705,7 +1031,7 @@
           <a:p>
             <a:fld id="{C5A87847-E20C-49E1-95AF-CA9A4A064536}" type="datetimeFigureOut">
               <a:rPr lang="en-US" smtClean="0"/>
-              <a:t>8/31/2022</a:t>
+              <a:t>9/8/2022</a:t>
             </a:fld>
             <a:endParaRPr lang="en-US"/>
           </a:p>
@@ -913,7 +1239,7 @@
           <a:p>
             <a:fld id="{C5A87847-E20C-49E1-95AF-CA9A4A064536}" type="datetimeFigureOut">
               <a:rPr lang="en-US" smtClean="0"/>
-              <a:t>8/31/2022</a:t>
+              <a:t>9/8/2022</a:t>
             </a:fld>
             <a:endParaRPr lang="en-US"/>
           </a:p>
@@ -1111,7 +1437,7 @@
           <a:p>
             <a:fld id="{C5A87847-E20C-49E1-95AF-CA9A4A064536}" type="datetimeFigureOut">
               <a:rPr lang="en-US" smtClean="0"/>
-              <a:t>8/31/2022</a:t>
+              <a:t>9/8/2022</a:t>
             </a:fld>
             <a:endParaRPr lang="en-US"/>
           </a:p>
@@ -1386,7 +1712,7 @@
           <a:p>
             <a:fld id="{C5A87847-E20C-49E1-95AF-CA9A4A064536}" type="datetimeFigureOut">
               <a:rPr lang="en-US" smtClean="0"/>
-              <a:t>8/31/2022</a:t>
+              <a:t>9/8/2022</a:t>
             </a:fld>
             <a:endParaRPr lang="en-US"/>
           </a:p>
@@ -1651,7 +1977,7 @@
           <a:p>
             <a:fld id="{C5A87847-E20C-49E1-95AF-CA9A4A064536}" type="datetimeFigureOut">
               <a:rPr lang="en-US" smtClean="0"/>
-              <a:t>8/31/2022</a:t>
+              <a:t>9/8/2022</a:t>
             </a:fld>
             <a:endParaRPr lang="en-US"/>
           </a:p>
@@ -2063,7 +2389,7 @@
           <a:p>
             <a:fld id="{C5A87847-E20C-49E1-95AF-CA9A4A064536}" type="datetimeFigureOut">
               <a:rPr lang="en-US" smtClean="0"/>
-              <a:t>8/31/2022</a:t>
+              <a:t>9/8/2022</a:t>
             </a:fld>
             <a:endParaRPr lang="en-US"/>
           </a:p>
@@ -2204,7 +2530,7 @@
           <a:p>
             <a:fld id="{C5A87847-E20C-49E1-95AF-CA9A4A064536}" type="datetimeFigureOut">
               <a:rPr lang="en-US" smtClean="0"/>
-              <a:t>8/31/2022</a:t>
+              <a:t>9/8/2022</a:t>
             </a:fld>
             <a:endParaRPr lang="en-US"/>
           </a:p>
@@ -2317,7 +2643,7 @@
           <a:p>
             <a:fld id="{C5A87847-E20C-49E1-95AF-CA9A4A064536}" type="datetimeFigureOut">
               <a:rPr lang="en-US" smtClean="0"/>
-              <a:t>8/31/2022</a:t>
+              <a:t>9/8/2022</a:t>
             </a:fld>
             <a:endParaRPr lang="en-US"/>
           </a:p>
@@ -2628,7 +2954,7 @@
           <a:p>
             <a:fld id="{C5A87847-E20C-49E1-95AF-CA9A4A064536}" type="datetimeFigureOut">
               <a:rPr lang="en-US" smtClean="0"/>
-              <a:t>8/31/2022</a:t>
+              <a:t>9/8/2022</a:t>
             </a:fld>
             <a:endParaRPr lang="en-US"/>
           </a:p>
@@ -2916,7 +3242,7 @@
           <a:p>
             <a:fld id="{C5A87847-E20C-49E1-95AF-CA9A4A064536}" type="datetimeFigureOut">
               <a:rPr lang="en-US" smtClean="0"/>
-              <a:t>8/31/2022</a:t>
+              <a:t>9/8/2022</a:t>
             </a:fld>
             <a:endParaRPr lang="en-US"/>
           </a:p>
@@ -3157,7 +3483,7 @@
           <a:p>
             <a:fld id="{C5A87847-E20C-49E1-95AF-CA9A4A064536}" type="datetimeFigureOut">
               <a:rPr lang="en-US" smtClean="0"/>
-              <a:t>8/31/2022</a:t>
+              <a:t>9/8/2022</a:t>
             </a:fld>
             <a:endParaRPr lang="en-US"/>
           </a:p>
@@ -3687,40 +4013,167 @@
           <a:p>
             <a:r>
               <a:rPr lang="en-US" dirty="0"/>
-              <a:t>Selecting columns with cut</a:t>
-            </a:r>
-          </a:p>
-        </p:txBody>
-      </p:sp>
-      <p:sp>
-        <p:nvSpPr>
-          <p:cNvPr id="3" name="Content Placeholder 2">
-            <a:extLst>
-              <a:ext uri="{FF2B5EF4-FFF2-40B4-BE49-F238E27FC236}">
-                <a16:creationId xmlns:a16="http://schemas.microsoft.com/office/drawing/2014/main" id="{42822FB1-1689-4BDF-6D4A-81F0430A68EF}"/>
-              </a:ext>
-            </a:extLst>
-          </p:cNvPr>
-          <p:cNvSpPr>
-            <a:spLocks noGrp="1"/>
-          </p:cNvSpPr>
-          <p:nvPr>
-            <p:ph idx="1"/>
-          </p:nvPr>
-        </p:nvSpPr>
-        <p:spPr/>
-        <p:txBody>
-          <a:bodyPr/>
-          <a:lstStyle/>
-          <a:p>
-            <a:endParaRPr lang="en-US"/>
+              <a:t>Bash for loop combined with sed and |</a:t>
+            </a:r>
+          </a:p>
+        </p:txBody>
+      </p:sp>
+      <p:sp>
+        <p:nvSpPr>
+          <p:cNvPr id="4" name="TextBox 3">
+            <a:extLst>
+              <a:ext uri="{FF2B5EF4-FFF2-40B4-BE49-F238E27FC236}">
+                <a16:creationId xmlns:a16="http://schemas.microsoft.com/office/drawing/2014/main" id="{E6729CA2-2F41-396B-55C8-AED3A94D232B}"/>
+              </a:ext>
+            </a:extLst>
+          </p:cNvPr>
+          <p:cNvSpPr txBox="1"/>
+          <p:nvPr/>
+        </p:nvSpPr>
+        <p:spPr>
+          <a:xfrm>
+            <a:off x="1277007" y="2301766"/>
+            <a:ext cx="10704786" cy="1477328"/>
+          </a:xfrm>
+          <a:prstGeom prst="rect">
+            <a:avLst/>
+          </a:prstGeom>
+          <a:noFill/>
+        </p:spPr>
+        <p:txBody>
+          <a:bodyPr wrap="square" rtlCol="0">
+            <a:spAutoFit/>
+          </a:bodyPr>
+          <a:lstStyle/>
+          <a:p>
+            <a:r>
+              <a:rPr lang="en-US" dirty="0">
+                <a:latin typeface="Courier New" panose="02070309020205020404" pitchFamily="49" charset="0"/>
+                <a:cs typeface="Courier New" panose="02070309020205020404" pitchFamily="49" charset="0"/>
+              </a:rPr>
+              <a:t>for f in $(ls *</a:t>
+            </a:r>
+            <a:r>
+              <a:rPr lang="en-US" dirty="0" err="1">
+                <a:latin typeface="Courier New" panose="02070309020205020404" pitchFamily="49" charset="0"/>
+                <a:cs typeface="Courier New" panose="02070309020205020404" pitchFamily="49" charset="0"/>
+              </a:rPr>
+              <a:t>noadapt.fq</a:t>
+            </a:r>
+            <a:r>
+              <a:rPr lang="en-US" dirty="0">
+                <a:latin typeface="Courier New" panose="02070309020205020404" pitchFamily="49" charset="0"/>
+                <a:cs typeface="Courier New" panose="02070309020205020404" pitchFamily="49" charset="0"/>
+              </a:rPr>
+              <a:t> | sed 's/</a:t>
+            </a:r>
+            <a:r>
+              <a:rPr lang="en-US" dirty="0" err="1">
+                <a:latin typeface="Courier New" panose="02070309020205020404" pitchFamily="49" charset="0"/>
+                <a:cs typeface="Courier New" panose="02070309020205020404" pitchFamily="49" charset="0"/>
+              </a:rPr>
+              <a:t>noadapt.fq</a:t>
+            </a:r>
+            <a:r>
+              <a:rPr lang="en-US" dirty="0">
+                <a:latin typeface="Courier New" panose="02070309020205020404" pitchFamily="49" charset="0"/>
+                <a:cs typeface="Courier New" panose="02070309020205020404" pitchFamily="49" charset="0"/>
+              </a:rPr>
+              <a:t>//’)</a:t>
+            </a:r>
+          </a:p>
+          <a:p>
+            <a:endParaRPr lang="en-US" dirty="0">
+              <a:latin typeface="Courier New" panose="02070309020205020404" pitchFamily="49" charset="0"/>
+              <a:cs typeface="Courier New" panose="02070309020205020404" pitchFamily="49" charset="0"/>
+            </a:endParaRPr>
+          </a:p>
+          <a:p>
+            <a:r>
+              <a:rPr lang="en-US" dirty="0">
+                <a:latin typeface="Courier New" panose="02070309020205020404" pitchFamily="49" charset="0"/>
+                <a:cs typeface="Courier New" panose="02070309020205020404" pitchFamily="49" charset="0"/>
+              </a:rPr>
+              <a:t>do</a:t>
+            </a:r>
+          </a:p>
+          <a:p>
+            <a:r>
+              <a:rPr lang="en-US" dirty="0">
+                <a:latin typeface="Courier New" panose="02070309020205020404" pitchFamily="49" charset="0"/>
+                <a:cs typeface="Courier New" panose="02070309020205020404" pitchFamily="49" charset="0"/>
+              </a:rPr>
+              <a:t>~/</a:t>
+            </a:r>
+            <a:r>
+              <a:rPr lang="en-US" dirty="0" err="1">
+                <a:latin typeface="Courier New" panose="02070309020205020404" pitchFamily="49" charset="0"/>
+                <a:cs typeface="Courier New" panose="02070309020205020404" pitchFamily="49" charset="0"/>
+              </a:rPr>
+              <a:t>FastQC</a:t>
+            </a:r>
+            <a:r>
+              <a:rPr lang="en-US" dirty="0">
+                <a:latin typeface="Courier New" panose="02070309020205020404" pitchFamily="49" charset="0"/>
+                <a:cs typeface="Courier New" panose="02070309020205020404" pitchFamily="49" charset="0"/>
+              </a:rPr>
+              <a:t>/</a:t>
+            </a:r>
+            <a:r>
+              <a:rPr lang="en-US" dirty="0" err="1">
+                <a:latin typeface="Courier New" panose="02070309020205020404" pitchFamily="49" charset="0"/>
+                <a:cs typeface="Courier New" panose="02070309020205020404" pitchFamily="49" charset="0"/>
+              </a:rPr>
+              <a:t>fastqc</a:t>
+            </a:r>
+            <a:r>
+              <a:rPr lang="en-US" dirty="0">
+                <a:latin typeface="Courier New" panose="02070309020205020404" pitchFamily="49" charset="0"/>
+                <a:cs typeface="Courier New" panose="02070309020205020404" pitchFamily="49" charset="0"/>
+              </a:rPr>
+              <a:t> -t 4 -o </a:t>
+            </a:r>
+            <a:r>
+              <a:rPr lang="en-US" dirty="0" err="1">
+                <a:latin typeface="Courier New" panose="02070309020205020404" pitchFamily="49" charset="0"/>
+                <a:cs typeface="Courier New" panose="02070309020205020404" pitchFamily="49" charset="0"/>
+              </a:rPr>
+              <a:t>FastQC_Trimmed_Output</a:t>
+            </a:r>
+            <a:r>
+              <a:rPr lang="en-US" dirty="0">
+                <a:latin typeface="Courier New" panose="02070309020205020404" pitchFamily="49" charset="0"/>
+                <a:cs typeface="Courier New" panose="02070309020205020404" pitchFamily="49" charset="0"/>
+              </a:rPr>
+              <a:t> ${f}</a:t>
+            </a:r>
+            <a:r>
+              <a:rPr lang="en-US" dirty="0" err="1">
+                <a:latin typeface="Courier New" panose="02070309020205020404" pitchFamily="49" charset="0"/>
+                <a:cs typeface="Courier New" panose="02070309020205020404" pitchFamily="49" charset="0"/>
+              </a:rPr>
+              <a:t>noadapt.fq</a:t>
+            </a:r>
+            <a:endParaRPr lang="en-US" dirty="0">
+              <a:latin typeface="Courier New" panose="02070309020205020404" pitchFamily="49" charset="0"/>
+              <a:cs typeface="Courier New" panose="02070309020205020404" pitchFamily="49" charset="0"/>
+            </a:endParaRPr>
+          </a:p>
+          <a:p>
+            <a:r>
+              <a:rPr lang="en-US" dirty="0">
+                <a:latin typeface="Courier New" panose="02070309020205020404" pitchFamily="49" charset="0"/>
+                <a:cs typeface="Courier New" panose="02070309020205020404" pitchFamily="49" charset="0"/>
+              </a:rPr>
+              <a:t>done</a:t>
+            </a:r>
           </a:p>
         </p:txBody>
       </p:sp>
     </p:spTree>
     <p:extLst>
       <p:ext uri="{BB962C8B-B14F-4D97-AF65-F5344CB8AC3E}">
-        <p14:creationId xmlns:p14="http://schemas.microsoft.com/office/powerpoint/2010/main" val="3276219256"/>
+        <p14:creationId xmlns:p14="http://schemas.microsoft.com/office/powerpoint/2010/main" val="2112928074"/>
       </p:ext>
     </p:extLst>
   </p:cSld>
@@ -3770,40 +4223,621 @@
           <a:p>
             <a:r>
               <a:rPr lang="en-US" dirty="0"/>
-              <a:t>Stacking commands</a:t>
-            </a:r>
-          </a:p>
-        </p:txBody>
-      </p:sp>
-      <p:sp>
-        <p:nvSpPr>
-          <p:cNvPr id="3" name="Content Placeholder 2">
-            <a:extLst>
-              <a:ext uri="{FF2B5EF4-FFF2-40B4-BE49-F238E27FC236}">
-                <a16:creationId xmlns:a16="http://schemas.microsoft.com/office/drawing/2014/main" id="{42822FB1-1689-4BDF-6D4A-81F0430A68EF}"/>
-              </a:ext>
-            </a:extLst>
-          </p:cNvPr>
-          <p:cNvSpPr>
-            <a:spLocks noGrp="1"/>
-          </p:cNvSpPr>
-          <p:nvPr>
-            <p:ph idx="1"/>
-          </p:nvPr>
-        </p:nvSpPr>
-        <p:spPr/>
-        <p:txBody>
-          <a:bodyPr/>
-          <a:lstStyle/>
-          <a:p>
-            <a:endParaRPr lang="en-US"/>
+              <a:t>Working with batch schedulers (PBS, </a:t>
+            </a:r>
+            <a:r>
+              <a:rPr lang="en-US" dirty="0" err="1"/>
+              <a:t>Slurm</a:t>
+            </a:r>
+            <a:r>
+              <a:rPr lang="en-US" dirty="0"/>
+              <a:t>, etc.)</a:t>
+            </a:r>
+          </a:p>
+        </p:txBody>
+      </p:sp>
+      <p:sp>
+        <p:nvSpPr>
+          <p:cNvPr id="5" name="TextBox 4">
+            <a:extLst>
+              <a:ext uri="{FF2B5EF4-FFF2-40B4-BE49-F238E27FC236}">
+                <a16:creationId xmlns:a16="http://schemas.microsoft.com/office/drawing/2014/main" id="{A65E1E19-D10D-7F01-7A15-0E951525538E}"/>
+              </a:ext>
+            </a:extLst>
+          </p:cNvPr>
+          <p:cNvSpPr txBox="1"/>
+          <p:nvPr/>
+        </p:nvSpPr>
+        <p:spPr>
+          <a:xfrm>
+            <a:off x="429612" y="1767006"/>
+            <a:ext cx="4950371" cy="3323987"/>
+          </a:xfrm>
+          <a:prstGeom prst="rect">
+            <a:avLst/>
+          </a:prstGeom>
+          <a:noFill/>
+        </p:spPr>
+        <p:txBody>
+          <a:bodyPr wrap="square" rtlCol="0">
+            <a:spAutoFit/>
+          </a:bodyPr>
+          <a:lstStyle/>
+          <a:p>
+            <a:r>
+              <a:rPr lang="en-US" b="1" dirty="0">
+                <a:cs typeface="Courier New" panose="02070309020205020404" pitchFamily="49" charset="0"/>
+              </a:rPr>
+              <a:t>PBS example</a:t>
+            </a:r>
+          </a:p>
+          <a:p>
+            <a:r>
+              <a:rPr lang="en-US" sz="1200" dirty="0">
+                <a:latin typeface="Courier New" panose="02070309020205020404" pitchFamily="49" charset="0"/>
+                <a:cs typeface="Courier New" panose="02070309020205020404" pitchFamily="49" charset="0"/>
+              </a:rPr>
+              <a:t>#Code for </a:t>
+            </a:r>
+            <a:r>
+              <a:rPr lang="en-US" sz="1200" dirty="0" err="1">
+                <a:latin typeface="Courier New" panose="02070309020205020404" pitchFamily="49" charset="0"/>
+                <a:cs typeface="Courier New" panose="02070309020205020404" pitchFamily="49" charset="0"/>
+              </a:rPr>
+              <a:t>trimmomatic.pbs</a:t>
+            </a:r>
+            <a:endParaRPr lang="en-US" sz="1200" dirty="0">
+              <a:latin typeface="Courier New" panose="02070309020205020404" pitchFamily="49" charset="0"/>
+              <a:cs typeface="Courier New" panose="02070309020205020404" pitchFamily="49" charset="0"/>
+            </a:endParaRPr>
+          </a:p>
+          <a:p>
+            <a:r>
+              <a:rPr lang="en-US" sz="1200" dirty="0">
+                <a:latin typeface="Courier New" panose="02070309020205020404" pitchFamily="49" charset="0"/>
+                <a:cs typeface="Courier New" panose="02070309020205020404" pitchFamily="49" charset="0"/>
+              </a:rPr>
+              <a:t>#!/bin/bash</a:t>
+            </a:r>
+          </a:p>
+          <a:p>
+            <a:r>
+              <a:rPr lang="en-US" sz="1200" dirty="0">
+                <a:latin typeface="Courier New" panose="02070309020205020404" pitchFamily="49" charset="0"/>
+                <a:cs typeface="Courier New" panose="02070309020205020404" pitchFamily="49" charset="0"/>
+              </a:rPr>
+              <a:t>#PBS -N </a:t>
+            </a:r>
+            <a:r>
+              <a:rPr lang="en-US" sz="1200" dirty="0" err="1">
+                <a:latin typeface="Courier New" panose="02070309020205020404" pitchFamily="49" charset="0"/>
+                <a:cs typeface="Courier New" panose="02070309020205020404" pitchFamily="49" charset="0"/>
+              </a:rPr>
+              <a:t>clean_adapters</a:t>
+            </a:r>
+            <a:endParaRPr lang="en-US" sz="1200" dirty="0">
+              <a:latin typeface="Courier New" panose="02070309020205020404" pitchFamily="49" charset="0"/>
+              <a:cs typeface="Courier New" panose="02070309020205020404" pitchFamily="49" charset="0"/>
+            </a:endParaRPr>
+          </a:p>
+          <a:p>
+            <a:r>
+              <a:rPr lang="en-US" sz="1200" dirty="0">
+                <a:latin typeface="Courier New" panose="02070309020205020404" pitchFamily="49" charset="0"/>
+                <a:cs typeface="Courier New" panose="02070309020205020404" pitchFamily="49" charset="0"/>
+              </a:rPr>
+              <a:t>#PBS -l </a:t>
+            </a:r>
+            <a:r>
+              <a:rPr lang="en-US" sz="1200" dirty="0" err="1">
+                <a:latin typeface="Courier New" panose="02070309020205020404" pitchFamily="49" charset="0"/>
+                <a:cs typeface="Courier New" panose="02070309020205020404" pitchFamily="49" charset="0"/>
+              </a:rPr>
+              <a:t>ncpus</a:t>
+            </a:r>
+            <a:r>
+              <a:rPr lang="en-US" sz="1200" dirty="0">
+                <a:latin typeface="Courier New" panose="02070309020205020404" pitchFamily="49" charset="0"/>
+                <a:cs typeface="Courier New" panose="02070309020205020404" pitchFamily="49" charset="0"/>
+              </a:rPr>
+              <a:t>=8</a:t>
+            </a:r>
+          </a:p>
+          <a:p>
+            <a:r>
+              <a:rPr lang="en-US" sz="1200" dirty="0">
+                <a:latin typeface="Courier New" panose="02070309020205020404" pitchFamily="49" charset="0"/>
+                <a:cs typeface="Courier New" panose="02070309020205020404" pitchFamily="49" charset="0"/>
+              </a:rPr>
+              <a:t>#PBS -l mem=16gb</a:t>
+            </a:r>
+          </a:p>
+          <a:p>
+            <a:r>
+              <a:rPr lang="en-US" sz="1200" dirty="0">
+                <a:latin typeface="Courier New" panose="02070309020205020404" pitchFamily="49" charset="0"/>
+                <a:cs typeface="Courier New" panose="02070309020205020404" pitchFamily="49" charset="0"/>
+              </a:rPr>
+              <a:t>#PBS -m ae</a:t>
+            </a:r>
+          </a:p>
+          <a:p>
+            <a:r>
+              <a:rPr lang="en-US" sz="1200" dirty="0">
+                <a:latin typeface="Courier New" panose="02070309020205020404" pitchFamily="49" charset="0"/>
+                <a:cs typeface="Courier New" panose="02070309020205020404" pitchFamily="49" charset="0"/>
+              </a:rPr>
+              <a:t>#PBS -M mclear.go.olemiss.edu</a:t>
+            </a:r>
+          </a:p>
+          <a:p>
+            <a:r>
+              <a:rPr lang="en-US" sz="1200" dirty="0">
+                <a:latin typeface="Courier New" panose="02070309020205020404" pitchFamily="49" charset="0"/>
+                <a:cs typeface="Courier New" panose="02070309020205020404" pitchFamily="49" charset="0"/>
+              </a:rPr>
+              <a:t>    </a:t>
+            </a:r>
+          </a:p>
+          <a:p>
+            <a:r>
+              <a:rPr lang="en-US" sz="1200" dirty="0">
+                <a:latin typeface="Courier New" panose="02070309020205020404" pitchFamily="49" charset="0"/>
+                <a:cs typeface="Courier New" panose="02070309020205020404" pitchFamily="49" charset="0"/>
+              </a:rPr>
+              <a:t>cd $PBS_O_WORKDIR</a:t>
+            </a:r>
+          </a:p>
+          <a:p>
+            <a:r>
+              <a:rPr lang="en-US" sz="1200" dirty="0">
+                <a:latin typeface="Courier New" panose="02070309020205020404" pitchFamily="49" charset="0"/>
+                <a:cs typeface="Courier New" panose="02070309020205020404" pitchFamily="49" charset="0"/>
+              </a:rPr>
+              <a:t>       </a:t>
+            </a:r>
+          </a:p>
+          <a:p>
+            <a:r>
+              <a:rPr lang="en-US" sz="1200" dirty="0">
+                <a:latin typeface="Courier New" panose="02070309020205020404" pitchFamily="49" charset="0"/>
+                <a:cs typeface="Courier New" panose="02070309020205020404" pitchFamily="49" charset="0"/>
+              </a:rPr>
+              <a:t>for f in $(ls *1_001.fastq.gz | sed 's/1_001.fastq.gz//' | sort -u)</a:t>
+            </a:r>
+          </a:p>
+          <a:p>
+            <a:r>
+              <a:rPr lang="en-US" sz="1200" dirty="0">
+                <a:latin typeface="Courier New" panose="02070309020205020404" pitchFamily="49" charset="0"/>
+                <a:cs typeface="Courier New" panose="02070309020205020404" pitchFamily="49" charset="0"/>
+              </a:rPr>
+              <a:t>do</a:t>
+            </a:r>
+          </a:p>
+          <a:p>
+            <a:r>
+              <a:rPr lang="en-US" sz="1200" dirty="0">
+                <a:latin typeface="Courier New" panose="02070309020205020404" pitchFamily="49" charset="0"/>
+                <a:cs typeface="Courier New" panose="02070309020205020404" pitchFamily="49" charset="0"/>
+              </a:rPr>
+              <a:t>java -jar ~/Trimmomatic-0.36/trimmomatic-0.36.jar PE -phred33 ${f}1_001.fastq.gz ${f}2_001.fastq.gz</a:t>
+            </a:r>
+          </a:p>
+          <a:p>
+            <a:r>
+              <a:rPr lang="en-US" sz="1200" dirty="0">
+                <a:latin typeface="Courier New" panose="02070309020205020404" pitchFamily="49" charset="0"/>
+                <a:cs typeface="Courier New" panose="02070309020205020404" pitchFamily="49" charset="0"/>
+              </a:rPr>
+              <a:t>done</a:t>
+            </a:r>
+          </a:p>
+        </p:txBody>
+      </p:sp>
+      <p:sp>
+        <p:nvSpPr>
+          <p:cNvPr id="9" name="TextBox 8">
+            <a:extLst>
+              <a:ext uri="{FF2B5EF4-FFF2-40B4-BE49-F238E27FC236}">
+                <a16:creationId xmlns:a16="http://schemas.microsoft.com/office/drawing/2014/main" id="{4317F110-8A72-4B74-6044-B5B047ADC7B6}"/>
+              </a:ext>
+            </a:extLst>
+          </p:cNvPr>
+          <p:cNvSpPr txBox="1"/>
+          <p:nvPr/>
+        </p:nvSpPr>
+        <p:spPr>
+          <a:xfrm>
+            <a:off x="5379983" y="1027906"/>
+            <a:ext cx="6291532" cy="5262979"/>
+          </a:xfrm>
+          <a:prstGeom prst="rect">
+            <a:avLst/>
+          </a:prstGeom>
+          <a:noFill/>
+        </p:spPr>
+        <p:txBody>
+          <a:bodyPr wrap="square" rtlCol="0">
+            <a:spAutoFit/>
+          </a:bodyPr>
+          <a:lstStyle/>
+          <a:p>
+            <a:r>
+              <a:rPr lang="en-US" b="1" dirty="0" err="1">
+                <a:cs typeface="Courier New" panose="02070309020205020404" pitchFamily="49" charset="0"/>
+              </a:rPr>
+              <a:t>Slurm</a:t>
+            </a:r>
+            <a:r>
+              <a:rPr lang="en-US" b="1" dirty="0">
+                <a:cs typeface="Courier New" panose="02070309020205020404" pitchFamily="49" charset="0"/>
+              </a:rPr>
+              <a:t> example</a:t>
+            </a:r>
+          </a:p>
+          <a:p>
+            <a:r>
+              <a:rPr lang="en-US" sz="900" dirty="0">
+                <a:latin typeface="Courier New" panose="02070309020205020404" pitchFamily="49" charset="0"/>
+                <a:cs typeface="Courier New" panose="02070309020205020404" pitchFamily="49" charset="0"/>
+              </a:rPr>
+              <a:t>#!/bin/bash</a:t>
+            </a:r>
+          </a:p>
+          <a:p>
+            <a:r>
+              <a:rPr lang="en-US" sz="900" dirty="0">
+                <a:latin typeface="Courier New" panose="02070309020205020404" pitchFamily="49" charset="0"/>
+                <a:cs typeface="Courier New" panose="02070309020205020404" pitchFamily="49" charset="0"/>
+              </a:rPr>
+              <a:t>## Script to run MCNP6.2 on the new NNDC Linux cluster</a:t>
+            </a:r>
+          </a:p>
+          <a:p>
+            <a:r>
+              <a:rPr lang="en-US" sz="900" dirty="0">
+                <a:latin typeface="Courier New" panose="02070309020205020404" pitchFamily="49" charset="0"/>
+                <a:cs typeface="Courier New" panose="02070309020205020404" pitchFamily="49" charset="0"/>
+              </a:rPr>
+              <a:t>## using SLURM Workload Manager/Job Scheduler</a:t>
+            </a:r>
+          </a:p>
+          <a:p>
+            <a:endParaRPr lang="en-US" sz="900" dirty="0">
+              <a:latin typeface="Courier New" panose="02070309020205020404" pitchFamily="49" charset="0"/>
+              <a:cs typeface="Courier New" panose="02070309020205020404" pitchFamily="49" charset="0"/>
+            </a:endParaRPr>
+          </a:p>
+          <a:p>
+            <a:r>
+              <a:rPr lang="en-US" sz="900" dirty="0">
+                <a:latin typeface="Courier New" panose="02070309020205020404" pitchFamily="49" charset="0"/>
+                <a:cs typeface="Courier New" panose="02070309020205020404" pitchFamily="49" charset="0"/>
+              </a:rPr>
+              <a:t>## Set partition/queue to use for submitting jobs</a:t>
+            </a:r>
+          </a:p>
+          <a:p>
+            <a:r>
+              <a:rPr lang="en-US" sz="900" dirty="0">
+                <a:latin typeface="Courier New" panose="02070309020205020404" pitchFamily="49" charset="0"/>
+                <a:cs typeface="Courier New" panose="02070309020205020404" pitchFamily="49" charset="0"/>
+              </a:rPr>
+              <a:t>#SBATCH --partition=SERIAL</a:t>
+            </a:r>
+          </a:p>
+          <a:p>
+            <a:endParaRPr lang="en-US" sz="900" dirty="0">
+              <a:latin typeface="Courier New" panose="02070309020205020404" pitchFamily="49" charset="0"/>
+              <a:cs typeface="Courier New" panose="02070309020205020404" pitchFamily="49" charset="0"/>
+            </a:endParaRPr>
+          </a:p>
+          <a:p>
+            <a:r>
+              <a:rPr lang="en-US" sz="900" dirty="0">
+                <a:latin typeface="Courier New" panose="02070309020205020404" pitchFamily="49" charset="0"/>
+                <a:cs typeface="Courier New" panose="02070309020205020404" pitchFamily="49" charset="0"/>
+              </a:rPr>
+              <a:t>## Set name of job</a:t>
+            </a:r>
+          </a:p>
+          <a:p>
+            <a:r>
+              <a:rPr lang="en-US" sz="900" dirty="0">
+                <a:latin typeface="Courier New" panose="02070309020205020404" pitchFamily="49" charset="0"/>
+                <a:cs typeface="Courier New" panose="02070309020205020404" pitchFamily="49" charset="0"/>
+              </a:rPr>
+              <a:t>#SBATCH --job-name=00Prep</a:t>
+            </a:r>
+          </a:p>
+          <a:p>
+            <a:endParaRPr lang="en-US" sz="900" dirty="0">
+              <a:latin typeface="Courier New" panose="02070309020205020404" pitchFamily="49" charset="0"/>
+              <a:cs typeface="Courier New" panose="02070309020205020404" pitchFamily="49" charset="0"/>
+            </a:endParaRPr>
+          </a:p>
+          <a:p>
+            <a:r>
+              <a:rPr lang="en-US" sz="900" dirty="0">
+                <a:latin typeface="Courier New" panose="02070309020205020404" pitchFamily="49" charset="0"/>
+                <a:cs typeface="Courier New" panose="02070309020205020404" pitchFamily="49" charset="0"/>
+              </a:rPr>
+              <a:t>## Mail alert at start, end and abortion of execution</a:t>
+            </a:r>
+          </a:p>
+          <a:p>
+            <a:r>
+              <a:rPr lang="en-US" sz="900" dirty="0">
+                <a:latin typeface="Courier New" panose="02070309020205020404" pitchFamily="49" charset="0"/>
+                <a:cs typeface="Courier New" panose="02070309020205020404" pitchFamily="49" charset="0"/>
+              </a:rPr>
+              <a:t>#SBATCH --mail-type='END,FAIL'</a:t>
+            </a:r>
+          </a:p>
+          <a:p>
+            <a:endParaRPr lang="en-US" sz="900" dirty="0">
+              <a:latin typeface="Courier New" panose="02070309020205020404" pitchFamily="49" charset="0"/>
+              <a:cs typeface="Courier New" panose="02070309020205020404" pitchFamily="49" charset="0"/>
+            </a:endParaRPr>
+          </a:p>
+          <a:p>
+            <a:r>
+              <a:rPr lang="en-US" sz="900" dirty="0">
+                <a:latin typeface="Courier New" panose="02070309020205020404" pitchFamily="49" charset="0"/>
+                <a:cs typeface="Courier New" panose="02070309020205020404" pitchFamily="49" charset="0"/>
+              </a:rPr>
+              <a:t>## Send mail to this address</a:t>
+            </a:r>
+          </a:p>
+          <a:p>
+            <a:r>
+              <a:rPr lang="en-US" sz="900" dirty="0">
+                <a:latin typeface="Courier New" panose="02070309020205020404" pitchFamily="49" charset="0"/>
+                <a:cs typeface="Courier New" panose="02070309020205020404" pitchFamily="49" charset="0"/>
+              </a:rPr>
+              <a:t>#SBATCH --mail-user='mclear@bnl.gov'</a:t>
+            </a:r>
+          </a:p>
+          <a:p>
+            <a:endParaRPr lang="en-US" sz="900" dirty="0">
+              <a:latin typeface="Courier New" panose="02070309020205020404" pitchFamily="49" charset="0"/>
+              <a:cs typeface="Courier New" panose="02070309020205020404" pitchFamily="49" charset="0"/>
+            </a:endParaRPr>
+          </a:p>
+          <a:p>
+            <a:r>
+              <a:rPr lang="en-US" sz="900" dirty="0">
+                <a:latin typeface="Courier New" panose="02070309020205020404" pitchFamily="49" charset="0"/>
+                <a:cs typeface="Courier New" panose="02070309020205020404" pitchFamily="49" charset="0"/>
+              </a:rPr>
+              <a:t>## Set the name of the output file</a:t>
+            </a:r>
+          </a:p>
+          <a:p>
+            <a:r>
+              <a:rPr lang="en-US" sz="900" dirty="0">
+                <a:latin typeface="Courier New" panose="02070309020205020404" pitchFamily="49" charset="0"/>
+                <a:cs typeface="Courier New" panose="02070309020205020404" pitchFamily="49" charset="0"/>
+              </a:rPr>
+              <a:t>#SBATCH --output=00Prep_out.txt</a:t>
+            </a:r>
+          </a:p>
+          <a:p>
+            <a:endParaRPr lang="en-US" sz="900" dirty="0">
+              <a:latin typeface="Courier New" panose="02070309020205020404" pitchFamily="49" charset="0"/>
+              <a:cs typeface="Courier New" panose="02070309020205020404" pitchFamily="49" charset="0"/>
+            </a:endParaRPr>
+          </a:p>
+          <a:p>
+            <a:r>
+              <a:rPr lang="en-US" sz="900" dirty="0">
+                <a:latin typeface="Courier New" panose="02070309020205020404" pitchFamily="49" charset="0"/>
+                <a:cs typeface="Courier New" panose="02070309020205020404" pitchFamily="49" charset="0"/>
+              </a:rPr>
+              <a:t>#SBATCH --mem=8g</a:t>
+            </a:r>
+          </a:p>
+          <a:p>
+            <a:endParaRPr lang="en-US" sz="900" dirty="0">
+              <a:latin typeface="Courier New" panose="02070309020205020404" pitchFamily="49" charset="0"/>
+              <a:cs typeface="Courier New" panose="02070309020205020404" pitchFamily="49" charset="0"/>
+            </a:endParaRPr>
+          </a:p>
+          <a:p>
+            <a:r>
+              <a:rPr lang="en-US" sz="900" dirty="0">
+                <a:latin typeface="Courier New" panose="02070309020205020404" pitchFamily="49" charset="0"/>
+                <a:cs typeface="Courier New" panose="02070309020205020404" pitchFamily="49" charset="0"/>
+              </a:rPr>
+              <a:t>#SBATCH --</a:t>
+            </a:r>
+            <a:r>
+              <a:rPr lang="en-US" sz="900" dirty="0" err="1">
+                <a:latin typeface="Courier New" panose="02070309020205020404" pitchFamily="49" charset="0"/>
+                <a:cs typeface="Courier New" panose="02070309020205020404" pitchFamily="49" charset="0"/>
+              </a:rPr>
+              <a:t>cpus</a:t>
+            </a:r>
+            <a:r>
+              <a:rPr lang="en-US" sz="900" dirty="0">
+                <a:latin typeface="Courier New" panose="02070309020205020404" pitchFamily="49" charset="0"/>
+                <a:cs typeface="Courier New" panose="02070309020205020404" pitchFamily="49" charset="0"/>
+              </a:rPr>
+              <a:t>-per-task=4</a:t>
+            </a:r>
+          </a:p>
+          <a:p>
+            <a:endParaRPr lang="en-US" sz="900" dirty="0">
+              <a:latin typeface="Courier New" panose="02070309020205020404" pitchFamily="49" charset="0"/>
+              <a:cs typeface="Courier New" panose="02070309020205020404" pitchFamily="49" charset="0"/>
+            </a:endParaRPr>
+          </a:p>
+          <a:p>
+            <a:r>
+              <a:rPr lang="en-US" sz="900" dirty="0">
+                <a:latin typeface="Courier New" panose="02070309020205020404" pitchFamily="49" charset="0"/>
+                <a:cs typeface="Courier New" panose="02070309020205020404" pitchFamily="49" charset="0"/>
+              </a:rPr>
+              <a:t>cd ${SLURM_SUBMIT_DIR}</a:t>
+            </a:r>
+          </a:p>
+          <a:p>
+            <a:endParaRPr lang="en-US" sz="900" dirty="0">
+              <a:latin typeface="Courier New" panose="02070309020205020404" pitchFamily="49" charset="0"/>
+              <a:cs typeface="Courier New" panose="02070309020205020404" pitchFamily="49" charset="0"/>
+            </a:endParaRPr>
+          </a:p>
+          <a:p>
+            <a:r>
+              <a:rPr lang="en-US" sz="900" dirty="0">
+                <a:latin typeface="Courier New" panose="02070309020205020404" pitchFamily="49" charset="0"/>
+                <a:cs typeface="Courier New" panose="02070309020205020404" pitchFamily="49" charset="0"/>
+              </a:rPr>
+              <a:t>export PATH=/</a:t>
+            </a:r>
+            <a:r>
+              <a:rPr lang="en-US" sz="900" dirty="0" err="1">
+                <a:latin typeface="Courier New" panose="02070309020205020404" pitchFamily="49" charset="0"/>
+                <a:cs typeface="Courier New" panose="02070309020205020404" pitchFamily="49" charset="0"/>
+              </a:rPr>
+              <a:t>usr</a:t>
+            </a:r>
+            <a:r>
+              <a:rPr lang="en-US" sz="900" dirty="0">
+                <a:latin typeface="Courier New" panose="02070309020205020404" pitchFamily="49" charset="0"/>
+                <a:cs typeface="Courier New" panose="02070309020205020404" pitchFamily="49" charset="0"/>
+              </a:rPr>
+              <a:t>/local/anaconda3/bin:${PATH}</a:t>
+            </a:r>
+          </a:p>
+          <a:p>
+            <a:endParaRPr lang="en-US" sz="900" dirty="0">
+              <a:latin typeface="Courier New" panose="02070309020205020404" pitchFamily="49" charset="0"/>
+              <a:cs typeface="Courier New" panose="02070309020205020404" pitchFamily="49" charset="0"/>
+            </a:endParaRPr>
+          </a:p>
+          <a:p>
+            <a:r>
+              <a:rPr lang="en-US" sz="900" dirty="0">
+                <a:latin typeface="Courier New" panose="02070309020205020404" pitchFamily="49" charset="0"/>
+                <a:cs typeface="Courier New" panose="02070309020205020404" pitchFamily="49" charset="0"/>
+              </a:rPr>
+              <a:t>export LD_LIBRARY_PATH=/</a:t>
+            </a:r>
+            <a:r>
+              <a:rPr lang="en-US" sz="900" dirty="0" err="1">
+                <a:latin typeface="Courier New" panose="02070309020205020404" pitchFamily="49" charset="0"/>
+                <a:cs typeface="Courier New" panose="02070309020205020404" pitchFamily="49" charset="0"/>
+              </a:rPr>
+              <a:t>usr</a:t>
+            </a:r>
+            <a:r>
+              <a:rPr lang="en-US" sz="900" dirty="0">
+                <a:latin typeface="Courier New" panose="02070309020205020404" pitchFamily="49" charset="0"/>
+                <a:cs typeface="Courier New" panose="02070309020205020404" pitchFamily="49" charset="0"/>
+              </a:rPr>
+              <a:t>/local/anaconda3/lib:${LD_LIBRARY_PATH}</a:t>
+            </a:r>
+          </a:p>
+          <a:p>
+            <a:endParaRPr lang="en-US" sz="900" dirty="0">
+              <a:latin typeface="Courier New" panose="02070309020205020404" pitchFamily="49" charset="0"/>
+              <a:cs typeface="Courier New" panose="02070309020205020404" pitchFamily="49" charset="0"/>
+            </a:endParaRPr>
+          </a:p>
+          <a:p>
+            <a:r>
+              <a:rPr lang="en-US" sz="900" dirty="0">
+                <a:latin typeface="Courier New" panose="02070309020205020404" pitchFamily="49" charset="0"/>
+                <a:cs typeface="Courier New" panose="02070309020205020404" pitchFamily="49" charset="0"/>
+              </a:rPr>
+              <a:t>source activate deep-learning</a:t>
+            </a:r>
+          </a:p>
+          <a:p>
+            <a:endParaRPr lang="en-US" sz="900" dirty="0">
+              <a:latin typeface="Courier New" panose="02070309020205020404" pitchFamily="49" charset="0"/>
+              <a:cs typeface="Courier New" panose="02070309020205020404" pitchFamily="49" charset="0"/>
+            </a:endParaRPr>
+          </a:p>
+          <a:p>
+            <a:r>
+              <a:rPr lang="en-US" sz="900" dirty="0">
+                <a:latin typeface="Courier New" panose="02070309020205020404" pitchFamily="49" charset="0"/>
+                <a:cs typeface="Courier New" panose="02070309020205020404" pitchFamily="49" charset="0"/>
+              </a:rPr>
+              <a:t>BASEDIR=$(cat basedir.txt)</a:t>
+            </a:r>
+          </a:p>
+          <a:p>
+            <a:r>
+              <a:rPr lang="en-US" sz="900" dirty="0">
+                <a:latin typeface="Courier New" panose="02070309020205020404" pitchFamily="49" charset="0"/>
+                <a:cs typeface="Courier New" panose="02070309020205020404" pitchFamily="49" charset="0"/>
+              </a:rPr>
+              <a:t>python ${BASEDIR}/00-DataPrep/InputPrep.py -</a:t>
+            </a:r>
+            <a:r>
+              <a:rPr lang="en-US" sz="900" dirty="0" err="1">
+                <a:latin typeface="Courier New" panose="02070309020205020404" pitchFamily="49" charset="0"/>
+                <a:cs typeface="Courier New" panose="02070309020205020404" pitchFamily="49" charset="0"/>
+              </a:rPr>
+              <a:t>i</a:t>
+            </a:r>
+            <a:r>
+              <a:rPr lang="en-US" sz="900" dirty="0">
+                <a:latin typeface="Courier New" panose="02070309020205020404" pitchFamily="49" charset="0"/>
+                <a:cs typeface="Courier New" panose="02070309020205020404" pitchFamily="49" charset="0"/>
+              </a:rPr>
+              <a:t> ${BASEDIR}/</a:t>
+            </a:r>
+            <a:r>
+              <a:rPr lang="en-US" sz="900" dirty="0" err="1">
+                <a:latin typeface="Courier New" panose="02070309020205020404" pitchFamily="49" charset="0"/>
+                <a:cs typeface="Courier New" panose="02070309020205020404" pitchFamily="49" charset="0"/>
+              </a:rPr>
+              <a:t>Input_PopZnLimRoot</a:t>
+            </a:r>
+            <a:r>
+              <a:rPr lang="en-US" sz="900" dirty="0">
+                <a:latin typeface="Courier New" panose="02070309020205020404" pitchFamily="49" charset="0"/>
+                <a:cs typeface="Courier New" panose="02070309020205020404" pitchFamily="49" charset="0"/>
+              </a:rPr>
+              <a:t>/*_exp_rep.csv -o ${BASEDIR}/</a:t>
+            </a:r>
+            <a:r>
+              <a:rPr lang="en-US" sz="900" dirty="0" err="1">
+                <a:latin typeface="Courier New" panose="02070309020205020404" pitchFamily="49" charset="0"/>
+                <a:cs typeface="Courier New" panose="02070309020205020404" pitchFamily="49" charset="0"/>
+              </a:rPr>
+              <a:t>Input_PopZnLimRoot</a:t>
+            </a:r>
+            <a:r>
+              <a:rPr lang="en-US" sz="900" dirty="0">
+                <a:latin typeface="Courier New" panose="02070309020205020404" pitchFamily="49" charset="0"/>
+                <a:cs typeface="Courier New" panose="02070309020205020404" pitchFamily="49" charset="0"/>
+              </a:rPr>
+              <a:t>/</a:t>
+            </a:r>
+            <a:r>
+              <a:rPr lang="en-US" sz="900" dirty="0" err="1">
+                <a:latin typeface="Courier New" panose="02070309020205020404" pitchFamily="49" charset="0"/>
+                <a:cs typeface="Courier New" panose="02070309020205020404" pitchFamily="49" charset="0"/>
+              </a:rPr>
+              <a:t>PopZnLimRoot</a:t>
+            </a:r>
+            <a:endParaRPr lang="en-US" sz="900" dirty="0">
+              <a:latin typeface="Courier New" panose="02070309020205020404" pitchFamily="49" charset="0"/>
+              <a:cs typeface="Courier New" panose="02070309020205020404" pitchFamily="49" charset="0"/>
+            </a:endParaRPr>
           </a:p>
         </p:txBody>
       </p:sp>
     </p:spTree>
     <p:extLst>
       <p:ext uri="{BB962C8B-B14F-4D97-AF65-F5344CB8AC3E}">
-        <p14:creationId xmlns:p14="http://schemas.microsoft.com/office/powerpoint/2010/main" val="2805824339"/>
+        <p14:creationId xmlns:p14="http://schemas.microsoft.com/office/powerpoint/2010/main" val="2526571567"/>
       </p:ext>
     </p:extLst>
   </p:cSld>
@@ -3853,297 +4887,201 @@
           <a:p>
             <a:r>
               <a:rPr lang="en-US" dirty="0"/>
-              <a:t>Bash Script Explained</a:t>
-            </a:r>
-          </a:p>
-        </p:txBody>
-      </p:sp>
-      <p:sp>
-        <p:nvSpPr>
-          <p:cNvPr id="3" name="Content Placeholder 2">
-            <a:extLst>
-              <a:ext uri="{FF2B5EF4-FFF2-40B4-BE49-F238E27FC236}">
-                <a16:creationId xmlns:a16="http://schemas.microsoft.com/office/drawing/2014/main" id="{42822FB1-1689-4BDF-6D4A-81F0430A68EF}"/>
-              </a:ext>
-            </a:extLst>
-          </p:cNvPr>
-          <p:cNvSpPr>
-            <a:spLocks noGrp="1"/>
-          </p:cNvSpPr>
-          <p:nvPr>
-            <p:ph idx="1"/>
-          </p:nvPr>
-        </p:nvSpPr>
-        <p:spPr/>
-        <p:txBody>
-          <a:bodyPr/>
-          <a:lstStyle/>
-          <a:p>
-            <a:endParaRPr lang="en-US"/>
+              <a:t>Working with batch schedulers (PBS, </a:t>
+            </a:r>
+            <a:r>
+              <a:rPr lang="en-US" dirty="0" err="1"/>
+              <a:t>Slurm</a:t>
+            </a:r>
+            <a:r>
+              <a:rPr lang="en-US" dirty="0"/>
+              <a:t>, etc.)</a:t>
+            </a:r>
+          </a:p>
+        </p:txBody>
+      </p:sp>
+      <p:sp>
+        <p:nvSpPr>
+          <p:cNvPr id="5" name="TextBox 4">
+            <a:extLst>
+              <a:ext uri="{FF2B5EF4-FFF2-40B4-BE49-F238E27FC236}">
+                <a16:creationId xmlns:a16="http://schemas.microsoft.com/office/drawing/2014/main" id="{A65E1E19-D10D-7F01-7A15-0E951525538E}"/>
+              </a:ext>
+            </a:extLst>
+          </p:cNvPr>
+          <p:cNvSpPr txBox="1"/>
+          <p:nvPr/>
+        </p:nvSpPr>
+        <p:spPr>
+          <a:xfrm>
+            <a:off x="429612" y="1767006"/>
+            <a:ext cx="4950371" cy="923330"/>
+          </a:xfrm>
+          <a:prstGeom prst="rect">
+            <a:avLst/>
+          </a:prstGeom>
+          <a:noFill/>
+        </p:spPr>
+        <p:txBody>
+          <a:bodyPr wrap="square" rtlCol="0">
+            <a:spAutoFit/>
+          </a:bodyPr>
+          <a:lstStyle/>
+          <a:p>
+            <a:r>
+              <a:rPr lang="en-US" b="1" dirty="0">
+                <a:cs typeface="Courier New" panose="02070309020205020404" pitchFamily="49" charset="0"/>
+              </a:rPr>
+              <a:t>PBS example</a:t>
+            </a:r>
+          </a:p>
+          <a:p>
+            <a:r>
+              <a:rPr lang="en-US" sz="1200" dirty="0" err="1">
+                <a:latin typeface="Courier New" panose="02070309020205020404" pitchFamily="49" charset="0"/>
+                <a:cs typeface="Courier New" panose="02070309020205020404" pitchFamily="49" charset="0"/>
+              </a:rPr>
+              <a:t>qsub</a:t>
+            </a:r>
+            <a:r>
+              <a:rPr lang="en-US" sz="1200" dirty="0">
+                <a:latin typeface="Courier New" panose="02070309020205020404" pitchFamily="49" charset="0"/>
+                <a:cs typeface="Courier New" panose="02070309020205020404" pitchFamily="49" charset="0"/>
+              </a:rPr>
+              <a:t> </a:t>
+            </a:r>
+            <a:r>
+              <a:rPr lang="en-US" sz="1200" dirty="0" err="1">
+                <a:latin typeface="Courier New" panose="02070309020205020404" pitchFamily="49" charset="0"/>
+                <a:cs typeface="Courier New" panose="02070309020205020404" pitchFamily="49" charset="0"/>
+              </a:rPr>
+              <a:t>trimmomatic.pbs</a:t>
+            </a:r>
+            <a:endParaRPr lang="en-US" sz="1200" dirty="0">
+              <a:latin typeface="Courier New" panose="02070309020205020404" pitchFamily="49" charset="0"/>
+              <a:cs typeface="Courier New" panose="02070309020205020404" pitchFamily="49" charset="0"/>
+            </a:endParaRPr>
+          </a:p>
+          <a:p>
+            <a:endParaRPr lang="en-US" sz="1200" dirty="0">
+              <a:latin typeface="Courier New" panose="02070309020205020404" pitchFamily="49" charset="0"/>
+              <a:cs typeface="Courier New" panose="02070309020205020404" pitchFamily="49" charset="0"/>
+            </a:endParaRPr>
+          </a:p>
+          <a:p>
+            <a:r>
+              <a:rPr lang="en-US" sz="1200" dirty="0" err="1">
+                <a:latin typeface="Courier New" panose="02070309020205020404" pitchFamily="49" charset="0"/>
+                <a:cs typeface="Courier New" panose="02070309020205020404" pitchFamily="49" charset="0"/>
+              </a:rPr>
+              <a:t>qstat</a:t>
+            </a:r>
+            <a:r>
+              <a:rPr lang="en-US" sz="1200" dirty="0">
+                <a:latin typeface="Courier New" panose="02070309020205020404" pitchFamily="49" charset="0"/>
+                <a:cs typeface="Courier New" panose="02070309020205020404" pitchFamily="49" charset="0"/>
+              </a:rPr>
+              <a:t> -a</a:t>
+            </a:r>
+          </a:p>
+        </p:txBody>
+      </p:sp>
+      <p:sp>
+        <p:nvSpPr>
+          <p:cNvPr id="9" name="TextBox 8">
+            <a:extLst>
+              <a:ext uri="{FF2B5EF4-FFF2-40B4-BE49-F238E27FC236}">
+                <a16:creationId xmlns:a16="http://schemas.microsoft.com/office/drawing/2014/main" id="{4317F110-8A72-4B74-6044-B5B047ADC7B6}"/>
+              </a:ext>
+            </a:extLst>
+          </p:cNvPr>
+          <p:cNvSpPr txBox="1"/>
+          <p:nvPr/>
+        </p:nvSpPr>
+        <p:spPr>
+          <a:xfrm>
+            <a:off x="4182349" y="1767006"/>
+            <a:ext cx="7171451" cy="784830"/>
+          </a:xfrm>
+          <a:prstGeom prst="rect">
+            <a:avLst/>
+          </a:prstGeom>
+          <a:noFill/>
+        </p:spPr>
+        <p:txBody>
+          <a:bodyPr wrap="square" rtlCol="0">
+            <a:spAutoFit/>
+          </a:bodyPr>
+          <a:lstStyle/>
+          <a:p>
+            <a:r>
+              <a:rPr lang="en-US" b="1" dirty="0" err="1">
+                <a:cs typeface="Courier New" panose="02070309020205020404" pitchFamily="49" charset="0"/>
+              </a:rPr>
+              <a:t>Slurm</a:t>
+            </a:r>
+            <a:r>
+              <a:rPr lang="en-US" b="1" dirty="0">
+                <a:cs typeface="Courier New" panose="02070309020205020404" pitchFamily="49" charset="0"/>
+              </a:rPr>
+              <a:t> example</a:t>
+            </a:r>
+          </a:p>
+          <a:p>
+            <a:r>
+              <a:rPr lang="en-US" sz="900" dirty="0" err="1">
+                <a:latin typeface="Courier New" panose="02070309020205020404" pitchFamily="49" charset="0"/>
+                <a:cs typeface="Courier New" panose="02070309020205020404" pitchFamily="49" charset="0"/>
+              </a:rPr>
+              <a:t>sbatch</a:t>
+            </a:r>
+            <a:r>
+              <a:rPr lang="en-US" sz="900" dirty="0">
+                <a:latin typeface="Courier New" panose="02070309020205020404" pitchFamily="49" charset="0"/>
+                <a:cs typeface="Courier New" panose="02070309020205020404" pitchFamily="49" charset="0"/>
+              </a:rPr>
+              <a:t> -o ${BASEDIR}/Logs/00InputPrep.out -e ${BASEDIR}/Logs/00InputPrep.err ./</a:t>
+            </a:r>
+            <a:r>
+              <a:rPr lang="en-US" sz="900" dirty="0" err="1">
+                <a:latin typeface="Courier New" panose="02070309020205020404" pitchFamily="49" charset="0"/>
+                <a:cs typeface="Courier New" panose="02070309020205020404" pitchFamily="49" charset="0"/>
+              </a:rPr>
+              <a:t>Input_prep.pbs.template</a:t>
+            </a:r>
+            <a:endParaRPr lang="en-US" sz="900" dirty="0">
+              <a:latin typeface="Courier New" panose="02070309020205020404" pitchFamily="49" charset="0"/>
+              <a:cs typeface="Courier New" panose="02070309020205020404" pitchFamily="49" charset="0"/>
+            </a:endParaRPr>
+          </a:p>
+          <a:p>
+            <a:endParaRPr lang="en-US" sz="900" dirty="0">
+              <a:latin typeface="Courier New" panose="02070309020205020404" pitchFamily="49" charset="0"/>
+              <a:cs typeface="Courier New" panose="02070309020205020404" pitchFamily="49" charset="0"/>
+            </a:endParaRPr>
+          </a:p>
+          <a:p>
+            <a:r>
+              <a:rPr lang="en-US" sz="900" dirty="0" err="1">
+                <a:latin typeface="Courier New" panose="02070309020205020404" pitchFamily="49" charset="0"/>
+                <a:cs typeface="Courier New" panose="02070309020205020404" pitchFamily="49" charset="0"/>
+              </a:rPr>
+              <a:t>squeue</a:t>
+            </a:r>
+            <a:r>
+              <a:rPr lang="en-US" sz="900" dirty="0">
+                <a:latin typeface="Courier New" panose="02070309020205020404" pitchFamily="49" charset="0"/>
+                <a:cs typeface="Courier New" panose="02070309020205020404" pitchFamily="49" charset="0"/>
+              </a:rPr>
+              <a:t> –u &lt;username&gt;</a:t>
+            </a:r>
           </a:p>
         </p:txBody>
       </p:sp>
     </p:spTree>
     <p:extLst>
       <p:ext uri="{BB962C8B-B14F-4D97-AF65-F5344CB8AC3E}">
-        <p14:creationId xmlns:p14="http://schemas.microsoft.com/office/powerpoint/2010/main" val="865005707"/>
-      </p:ext>
-    </p:extLst>
-  </p:cSld>
-  <p:clrMapOvr>
-    <a:masterClrMapping/>
-  </p:clrMapOvr>
-</p:sld>
-</file>
-
-<file path=ppt/slides/slide13.xml><?xml version="1.0" encoding="utf-8"?>
-<p:sld xmlns:a="http://schemas.openxmlformats.org/drawingml/2006/main" xmlns:r="http://schemas.openxmlformats.org/officeDocument/2006/relationships" xmlns:p="http://schemas.openxmlformats.org/presentationml/2006/main">
-  <p:cSld>
-    <p:spTree>
-      <p:nvGrpSpPr>
-        <p:cNvPr id="1" name=""/>
-        <p:cNvGrpSpPr/>
-        <p:nvPr/>
-      </p:nvGrpSpPr>
-      <p:grpSpPr>
-        <a:xfrm>
-          <a:off x="0" y="0"/>
-          <a:ext cx="0" cy="0"/>
-          <a:chOff x="0" y="0"/>
-          <a:chExt cx="0" cy="0"/>
-        </a:xfrm>
-      </p:grpSpPr>
-      <p:sp>
-        <p:nvSpPr>
-          <p:cNvPr id="2" name="Title 1">
-            <a:extLst>
-              <a:ext uri="{FF2B5EF4-FFF2-40B4-BE49-F238E27FC236}">
-                <a16:creationId xmlns:a16="http://schemas.microsoft.com/office/drawing/2014/main" id="{7D5E9722-6E13-07AE-FEB5-E8AA057A5B2B}"/>
-              </a:ext>
-            </a:extLst>
-          </p:cNvPr>
-          <p:cNvSpPr>
-            <a:spLocks noGrp="1"/>
-          </p:cNvSpPr>
-          <p:nvPr>
-            <p:ph type="title"/>
-          </p:nvPr>
-        </p:nvSpPr>
-        <p:spPr/>
-        <p:txBody>
-          <a:bodyPr/>
-          <a:lstStyle/>
-          <a:p>
-            <a:r>
-              <a:rPr lang="en-US" dirty="0"/>
-              <a:t>File Permissions</a:t>
-            </a:r>
-          </a:p>
-        </p:txBody>
-      </p:sp>
-      <p:sp>
-        <p:nvSpPr>
-          <p:cNvPr id="3" name="Content Placeholder 2">
-            <a:extLst>
-              <a:ext uri="{FF2B5EF4-FFF2-40B4-BE49-F238E27FC236}">
-                <a16:creationId xmlns:a16="http://schemas.microsoft.com/office/drawing/2014/main" id="{42822FB1-1689-4BDF-6D4A-81F0430A68EF}"/>
-              </a:ext>
-            </a:extLst>
-          </p:cNvPr>
-          <p:cNvSpPr>
-            <a:spLocks noGrp="1"/>
-          </p:cNvSpPr>
-          <p:nvPr>
-            <p:ph idx="1"/>
-          </p:nvPr>
-        </p:nvSpPr>
-        <p:spPr/>
-        <p:txBody>
-          <a:bodyPr/>
-          <a:lstStyle/>
-          <a:p>
-            <a:endParaRPr lang="en-US"/>
-          </a:p>
-        </p:txBody>
-      </p:sp>
-    </p:spTree>
-    <p:extLst>
-      <p:ext uri="{BB962C8B-B14F-4D97-AF65-F5344CB8AC3E}">
-        <p14:creationId xmlns:p14="http://schemas.microsoft.com/office/powerpoint/2010/main" val="996997540"/>
-      </p:ext>
-    </p:extLst>
-  </p:cSld>
-  <p:clrMapOvr>
-    <a:masterClrMapping/>
-  </p:clrMapOvr>
-</p:sld>
-</file>
-
-<file path=ppt/slides/slide14.xml><?xml version="1.0" encoding="utf-8"?>
-<p:sld xmlns:a="http://schemas.openxmlformats.org/drawingml/2006/main" xmlns:r="http://schemas.openxmlformats.org/officeDocument/2006/relationships" xmlns:p="http://schemas.openxmlformats.org/presentationml/2006/main">
-  <p:cSld>
-    <p:spTree>
-      <p:nvGrpSpPr>
-        <p:cNvPr id="1" name=""/>
-        <p:cNvGrpSpPr/>
-        <p:nvPr/>
-      </p:nvGrpSpPr>
-      <p:grpSpPr>
-        <a:xfrm>
-          <a:off x="0" y="0"/>
-          <a:ext cx="0" cy="0"/>
-          <a:chOff x="0" y="0"/>
-          <a:chExt cx="0" cy="0"/>
-        </a:xfrm>
-      </p:grpSpPr>
-      <p:sp>
-        <p:nvSpPr>
-          <p:cNvPr id="2" name="Title 1">
-            <a:extLst>
-              <a:ext uri="{FF2B5EF4-FFF2-40B4-BE49-F238E27FC236}">
-                <a16:creationId xmlns:a16="http://schemas.microsoft.com/office/drawing/2014/main" id="{7D5E9722-6E13-07AE-FEB5-E8AA057A5B2B}"/>
-              </a:ext>
-            </a:extLst>
-          </p:cNvPr>
-          <p:cNvSpPr>
-            <a:spLocks noGrp="1"/>
-          </p:cNvSpPr>
-          <p:nvPr>
-            <p:ph type="title"/>
-          </p:nvPr>
-        </p:nvSpPr>
-        <p:spPr/>
-        <p:txBody>
-          <a:bodyPr/>
-          <a:lstStyle/>
-          <a:p>
-            <a:r>
-              <a:rPr lang="en-US" dirty="0"/>
-              <a:t>Bash For Loop</a:t>
-            </a:r>
-          </a:p>
-        </p:txBody>
-      </p:sp>
-      <p:sp>
-        <p:nvSpPr>
-          <p:cNvPr id="3" name="Content Placeholder 2">
-            <a:extLst>
-              <a:ext uri="{FF2B5EF4-FFF2-40B4-BE49-F238E27FC236}">
-                <a16:creationId xmlns:a16="http://schemas.microsoft.com/office/drawing/2014/main" id="{42822FB1-1689-4BDF-6D4A-81F0430A68EF}"/>
-              </a:ext>
-            </a:extLst>
-          </p:cNvPr>
-          <p:cNvSpPr>
-            <a:spLocks noGrp="1"/>
-          </p:cNvSpPr>
-          <p:nvPr>
-            <p:ph idx="1"/>
-          </p:nvPr>
-        </p:nvSpPr>
-        <p:spPr/>
-        <p:txBody>
-          <a:bodyPr/>
-          <a:lstStyle/>
-          <a:p>
-            <a:endParaRPr lang="en-US"/>
-          </a:p>
-        </p:txBody>
-      </p:sp>
-    </p:spTree>
-    <p:extLst>
-      <p:ext uri="{BB962C8B-B14F-4D97-AF65-F5344CB8AC3E}">
-        <p14:creationId xmlns:p14="http://schemas.microsoft.com/office/powerpoint/2010/main" val="2112928074"/>
-      </p:ext>
-    </p:extLst>
-  </p:cSld>
-  <p:clrMapOvr>
-    <a:masterClrMapping/>
-  </p:clrMapOvr>
-</p:sld>
-</file>
-
-<file path=ppt/slides/slide15.xml><?xml version="1.0" encoding="utf-8"?>
-<p:sld xmlns:a="http://schemas.openxmlformats.org/drawingml/2006/main" xmlns:r="http://schemas.openxmlformats.org/officeDocument/2006/relationships" xmlns:p="http://schemas.openxmlformats.org/presentationml/2006/main">
-  <p:cSld>
-    <p:spTree>
-      <p:nvGrpSpPr>
-        <p:cNvPr id="1" name=""/>
-        <p:cNvGrpSpPr/>
-        <p:nvPr/>
-      </p:nvGrpSpPr>
-      <p:grpSpPr>
-        <a:xfrm>
-          <a:off x="0" y="0"/>
-          <a:ext cx="0" cy="0"/>
-          <a:chOff x="0" y="0"/>
-          <a:chExt cx="0" cy="0"/>
-        </a:xfrm>
-      </p:grpSpPr>
-      <p:sp>
-        <p:nvSpPr>
-          <p:cNvPr id="2" name="Title 1">
-            <a:extLst>
-              <a:ext uri="{FF2B5EF4-FFF2-40B4-BE49-F238E27FC236}">
-                <a16:creationId xmlns:a16="http://schemas.microsoft.com/office/drawing/2014/main" id="{7D5E9722-6E13-07AE-FEB5-E8AA057A5B2B}"/>
-              </a:ext>
-            </a:extLst>
-          </p:cNvPr>
-          <p:cNvSpPr>
-            <a:spLocks noGrp="1"/>
-          </p:cNvSpPr>
-          <p:nvPr>
-            <p:ph type="title"/>
-          </p:nvPr>
-        </p:nvSpPr>
-        <p:spPr/>
-        <p:txBody>
-          <a:bodyPr/>
-          <a:lstStyle/>
-          <a:p>
-            <a:r>
-              <a:rPr lang="en-US" dirty="0"/>
-              <a:t>Working with batch schedulers (PBS, </a:t>
-            </a:r>
-            <a:r>
-              <a:rPr lang="en-US" dirty="0" err="1"/>
-              <a:t>Slurm</a:t>
-            </a:r>
-            <a:r>
-              <a:rPr lang="en-US" dirty="0"/>
-              <a:t>, etc.)</a:t>
-            </a:r>
-          </a:p>
-        </p:txBody>
-      </p:sp>
-      <p:sp>
-        <p:nvSpPr>
-          <p:cNvPr id="3" name="Content Placeholder 2">
-            <a:extLst>
-              <a:ext uri="{FF2B5EF4-FFF2-40B4-BE49-F238E27FC236}">
-                <a16:creationId xmlns:a16="http://schemas.microsoft.com/office/drawing/2014/main" id="{42822FB1-1689-4BDF-6D4A-81F0430A68EF}"/>
-              </a:ext>
-            </a:extLst>
-          </p:cNvPr>
-          <p:cNvSpPr>
-            <a:spLocks noGrp="1"/>
-          </p:cNvSpPr>
-          <p:nvPr>
-            <p:ph idx="1"/>
-          </p:nvPr>
-        </p:nvSpPr>
-        <p:spPr/>
-        <p:txBody>
-          <a:bodyPr/>
-          <a:lstStyle/>
-          <a:p>
-            <a:endParaRPr lang="en-US"/>
-          </a:p>
-        </p:txBody>
-      </p:sp>
-    </p:spTree>
-    <p:extLst>
-      <p:ext uri="{BB962C8B-B14F-4D97-AF65-F5344CB8AC3E}">
-        <p14:creationId xmlns:p14="http://schemas.microsoft.com/office/powerpoint/2010/main" val="2526571567"/>
+        <p14:creationId xmlns:p14="http://schemas.microsoft.com/office/powerpoint/2010/main" val="938472310"/>
       </p:ext>
     </p:extLst>
   </p:cSld>
@@ -4200,26 +5138,50 @@
       </p:sp>
       <p:sp>
         <p:nvSpPr>
-          <p:cNvPr id="3" name="Content Placeholder 2">
-            <a:extLst>
-              <a:ext uri="{FF2B5EF4-FFF2-40B4-BE49-F238E27FC236}">
-                <a16:creationId xmlns:a16="http://schemas.microsoft.com/office/drawing/2014/main" id="{42822FB1-1689-4BDF-6D4A-81F0430A68EF}"/>
-              </a:ext>
-            </a:extLst>
-          </p:cNvPr>
-          <p:cNvSpPr>
-            <a:spLocks noGrp="1"/>
-          </p:cNvSpPr>
-          <p:nvPr>
-            <p:ph idx="1"/>
-          </p:nvPr>
-        </p:nvSpPr>
-        <p:spPr/>
-        <p:txBody>
-          <a:bodyPr/>
-          <a:lstStyle/>
-          <a:p>
-            <a:endParaRPr lang="en-US"/>
+          <p:cNvPr id="6" name="TextBox 5">
+            <a:extLst>
+              <a:ext uri="{FF2B5EF4-FFF2-40B4-BE49-F238E27FC236}">
+                <a16:creationId xmlns:a16="http://schemas.microsoft.com/office/drawing/2014/main" id="{B9C23DC2-6A66-82FC-D74F-5E86133E79D6}"/>
+              </a:ext>
+            </a:extLst>
+          </p:cNvPr>
+          <p:cNvSpPr txBox="1"/>
+          <p:nvPr/>
+        </p:nvSpPr>
+        <p:spPr>
+          <a:xfrm>
+            <a:off x="890752" y="1690688"/>
+            <a:ext cx="7831520" cy="646331"/>
+          </a:xfrm>
+          <a:prstGeom prst="rect">
+            <a:avLst/>
+          </a:prstGeom>
+          <a:noFill/>
+        </p:spPr>
+        <p:txBody>
+          <a:bodyPr wrap="square" rtlCol="0">
+            <a:spAutoFit/>
+          </a:bodyPr>
+          <a:lstStyle/>
+          <a:p>
+            <a:pPr marL="285750" indent="-285750">
+              <a:buFont typeface="Arial" panose="020B0604020202020204" pitchFamily="34" charset="0"/>
+              <a:buChar char="•"/>
+            </a:pPr>
+            <a:r>
+              <a:rPr lang="en-US" dirty="0"/>
+              <a:t>Refers to a family of distributions that are derived from UNIX</a:t>
+            </a:r>
+          </a:p>
+          <a:p>
+            <a:pPr marL="742950" lvl="1" indent="-285750">
+              <a:buFont typeface="Arial" panose="020B0604020202020204" pitchFamily="34" charset="0"/>
+              <a:buChar char="•"/>
+            </a:pPr>
+            <a:r>
+              <a:rPr lang="en-US" dirty="0"/>
+              <a:t>Ubuntu, Arch Linux, CentOS, Fedora</a:t>
+            </a:r>
           </a:p>
         </p:txBody>
       </p:sp>
@@ -4283,33 +5245,165 @@
       </p:sp>
       <p:sp>
         <p:nvSpPr>
-          <p:cNvPr id="3" name="Content Placeholder 2">
-            <a:extLst>
-              <a:ext uri="{FF2B5EF4-FFF2-40B4-BE49-F238E27FC236}">
-                <a16:creationId xmlns:a16="http://schemas.microsoft.com/office/drawing/2014/main" id="{42822FB1-1689-4BDF-6D4A-81F0430A68EF}"/>
-              </a:ext>
-            </a:extLst>
-          </p:cNvPr>
-          <p:cNvSpPr>
-            <a:spLocks noGrp="1"/>
-          </p:cNvSpPr>
-          <p:nvPr>
-            <p:ph idx="1"/>
-          </p:nvPr>
-        </p:nvSpPr>
-        <p:spPr/>
-        <p:txBody>
-          <a:bodyPr/>
-          <a:lstStyle/>
-          <a:p>
-            <a:endParaRPr lang="en-US"/>
+          <p:cNvPr id="6" name="TextBox 5">
+            <a:extLst>
+              <a:ext uri="{FF2B5EF4-FFF2-40B4-BE49-F238E27FC236}">
+                <a16:creationId xmlns:a16="http://schemas.microsoft.com/office/drawing/2014/main" id="{B9C23DC2-6A66-82FC-D74F-5E86133E79D6}"/>
+              </a:ext>
+            </a:extLst>
+          </p:cNvPr>
+          <p:cNvSpPr txBox="1"/>
+          <p:nvPr/>
+        </p:nvSpPr>
+        <p:spPr>
+          <a:xfrm>
+            <a:off x="890752" y="1690688"/>
+            <a:ext cx="7831520" cy="369332"/>
+          </a:xfrm>
+          <a:prstGeom prst="rect">
+            <a:avLst/>
+          </a:prstGeom>
+          <a:noFill/>
+        </p:spPr>
+        <p:txBody>
+          <a:bodyPr wrap="square" rtlCol="0">
+            <a:spAutoFit/>
+          </a:bodyPr>
+          <a:lstStyle/>
+          <a:p>
+            <a:pPr marL="285750" indent="-285750">
+              <a:buFont typeface="Arial" panose="020B0604020202020204" pitchFamily="34" charset="0"/>
+              <a:buChar char="•"/>
+            </a:pPr>
+            <a:r>
+              <a:rPr lang="en-US" dirty="0"/>
+              <a:t>Efficient</a:t>
+            </a:r>
+          </a:p>
+        </p:txBody>
+      </p:sp>
+      <p:sp>
+        <p:nvSpPr>
+          <p:cNvPr id="4" name="TextBox 3">
+            <a:extLst>
+              <a:ext uri="{FF2B5EF4-FFF2-40B4-BE49-F238E27FC236}">
+                <a16:creationId xmlns:a16="http://schemas.microsoft.com/office/drawing/2014/main" id="{EC090564-3F3D-E987-B5A7-76A0F2BC5BF4}"/>
+              </a:ext>
+            </a:extLst>
+          </p:cNvPr>
+          <p:cNvSpPr txBox="1"/>
+          <p:nvPr/>
+        </p:nvSpPr>
+        <p:spPr>
+          <a:xfrm>
+            <a:off x="890752" y="2060020"/>
+            <a:ext cx="7831520" cy="369332"/>
+          </a:xfrm>
+          <a:prstGeom prst="rect">
+            <a:avLst/>
+          </a:prstGeom>
+          <a:noFill/>
+        </p:spPr>
+        <p:txBody>
+          <a:bodyPr wrap="square" rtlCol="0">
+            <a:spAutoFit/>
+          </a:bodyPr>
+          <a:lstStyle/>
+          <a:p>
+            <a:pPr marL="285750" indent="-285750">
+              <a:buFont typeface="Arial" panose="020B0604020202020204" pitchFamily="34" charset="0"/>
+              <a:buChar char="•"/>
+            </a:pPr>
+            <a:r>
+              <a:rPr lang="en-US" dirty="0"/>
+              <a:t>Open source</a:t>
+            </a:r>
+          </a:p>
+        </p:txBody>
+      </p:sp>
+      <p:sp>
+        <p:nvSpPr>
+          <p:cNvPr id="7" name="TextBox 6">
+            <a:extLst>
+              <a:ext uri="{FF2B5EF4-FFF2-40B4-BE49-F238E27FC236}">
+                <a16:creationId xmlns:a16="http://schemas.microsoft.com/office/drawing/2014/main" id="{19870009-4C6A-10A6-9CF3-A935542C878B}"/>
+              </a:ext>
+            </a:extLst>
+          </p:cNvPr>
+          <p:cNvSpPr txBox="1"/>
+          <p:nvPr/>
+        </p:nvSpPr>
+        <p:spPr>
+          <a:xfrm>
+            <a:off x="890752" y="2429352"/>
+            <a:ext cx="7831520" cy="369332"/>
+          </a:xfrm>
+          <a:prstGeom prst="rect">
+            <a:avLst/>
+          </a:prstGeom>
+          <a:noFill/>
+        </p:spPr>
+        <p:txBody>
+          <a:bodyPr wrap="square" rtlCol="0">
+            <a:spAutoFit/>
+          </a:bodyPr>
+          <a:lstStyle/>
+          <a:p>
+            <a:pPr marL="285750" indent="-285750">
+              <a:buFont typeface="Arial" panose="020B0604020202020204" pitchFamily="34" charset="0"/>
+              <a:buChar char="•"/>
+            </a:pPr>
+            <a:r>
+              <a:rPr lang="en-US" dirty="0" err="1"/>
+              <a:t>Customizeable</a:t>
+            </a:r>
+            <a:endParaRPr lang="en-US" dirty="0"/>
+          </a:p>
+        </p:txBody>
+      </p:sp>
+      <p:sp>
+        <p:nvSpPr>
+          <p:cNvPr id="9" name="TextBox 8">
+            <a:extLst>
+              <a:ext uri="{FF2B5EF4-FFF2-40B4-BE49-F238E27FC236}">
+                <a16:creationId xmlns:a16="http://schemas.microsoft.com/office/drawing/2014/main" id="{4EA0B571-5AF9-5CB1-8142-DB7AE7901791}"/>
+              </a:ext>
+            </a:extLst>
+          </p:cNvPr>
+          <p:cNvSpPr txBox="1"/>
+          <p:nvPr/>
+        </p:nvSpPr>
+        <p:spPr>
+          <a:xfrm>
+            <a:off x="890752" y="2798684"/>
+            <a:ext cx="7831520" cy="369332"/>
+          </a:xfrm>
+          <a:prstGeom prst="rect">
+            <a:avLst/>
+          </a:prstGeom>
+          <a:noFill/>
+        </p:spPr>
+        <p:txBody>
+          <a:bodyPr wrap="square" rtlCol="0">
+            <a:spAutoFit/>
+          </a:bodyPr>
+          <a:lstStyle/>
+          <a:p>
+            <a:pPr marL="285750" indent="-285750">
+              <a:buFont typeface="Arial" panose="020B0604020202020204" pitchFamily="34" charset="0"/>
+              <a:buChar char="•"/>
+            </a:pPr>
+            <a:r>
+              <a:rPr lang="en-US" dirty="0"/>
+              <a:t>Free</a:t>
+            </a:r>
           </a:p>
         </p:txBody>
       </p:sp>
     </p:spTree>
     <p:extLst>
       <p:ext uri="{BB962C8B-B14F-4D97-AF65-F5344CB8AC3E}">
-        <p14:creationId xmlns:p14="http://schemas.microsoft.com/office/powerpoint/2010/main" val="1704621666"/>
+        <p14:creationId xmlns:p14="http://schemas.microsoft.com/office/powerpoint/2010/main" val="531924334"/>
       </p:ext>
     </p:extLst>
   </p:cSld>
@@ -4359,40 +5453,156 @@
           <a:p>
             <a:r>
               <a:rPr lang="en-US" dirty="0"/>
-              <a:t>Common Bash Commands (Cheat Sheet)</a:t>
-            </a:r>
-          </a:p>
-        </p:txBody>
-      </p:sp>
-      <p:sp>
-        <p:nvSpPr>
-          <p:cNvPr id="3" name="Content Placeholder 2">
-            <a:extLst>
-              <a:ext uri="{FF2B5EF4-FFF2-40B4-BE49-F238E27FC236}">
-                <a16:creationId xmlns:a16="http://schemas.microsoft.com/office/drawing/2014/main" id="{42822FB1-1689-4BDF-6D4A-81F0430A68EF}"/>
-              </a:ext>
-            </a:extLst>
-          </p:cNvPr>
-          <p:cNvSpPr>
-            <a:spLocks noGrp="1"/>
-          </p:cNvSpPr>
-          <p:nvPr>
-            <p:ph idx="1"/>
-          </p:nvPr>
-        </p:nvSpPr>
-        <p:spPr/>
-        <p:txBody>
-          <a:bodyPr/>
-          <a:lstStyle/>
-          <a:p>
-            <a:endParaRPr lang="en-US"/>
+              <a:t>Connecting to a remote instance</a:t>
+            </a:r>
+          </a:p>
+        </p:txBody>
+      </p:sp>
+      <p:sp>
+        <p:nvSpPr>
+          <p:cNvPr id="6" name="TextBox 5">
+            <a:extLst>
+              <a:ext uri="{FF2B5EF4-FFF2-40B4-BE49-F238E27FC236}">
+                <a16:creationId xmlns:a16="http://schemas.microsoft.com/office/drawing/2014/main" id="{B9C23DC2-6A66-82FC-D74F-5E86133E79D6}"/>
+              </a:ext>
+            </a:extLst>
+          </p:cNvPr>
+          <p:cNvSpPr txBox="1"/>
+          <p:nvPr/>
+        </p:nvSpPr>
+        <p:spPr>
+          <a:xfrm>
+            <a:off x="890752" y="1690688"/>
+            <a:ext cx="7831520" cy="646331"/>
+          </a:xfrm>
+          <a:prstGeom prst="rect">
+            <a:avLst/>
+          </a:prstGeom>
+          <a:noFill/>
+        </p:spPr>
+        <p:txBody>
+          <a:bodyPr wrap="square" rtlCol="0">
+            <a:spAutoFit/>
+          </a:bodyPr>
+          <a:lstStyle/>
+          <a:p>
+            <a:pPr marL="285750" indent="-285750">
+              <a:buFont typeface="Arial" panose="020B0604020202020204" pitchFamily="34" charset="0"/>
+              <a:buChar char="•"/>
+            </a:pPr>
+            <a:r>
+              <a:rPr lang="en-US" dirty="0"/>
+              <a:t>Most UNIX and Linux servers use a SSH-daemon. This allows you to use a SSH client to connect to a server remotely.</a:t>
+            </a:r>
+          </a:p>
+        </p:txBody>
+      </p:sp>
+      <p:sp>
+        <p:nvSpPr>
+          <p:cNvPr id="4" name="TextBox 3">
+            <a:extLst>
+              <a:ext uri="{FF2B5EF4-FFF2-40B4-BE49-F238E27FC236}">
+                <a16:creationId xmlns:a16="http://schemas.microsoft.com/office/drawing/2014/main" id="{EC090564-3F3D-E987-B5A7-76A0F2BC5BF4}"/>
+              </a:ext>
+            </a:extLst>
+          </p:cNvPr>
+          <p:cNvSpPr txBox="1"/>
+          <p:nvPr/>
+        </p:nvSpPr>
+        <p:spPr>
+          <a:xfrm>
+            <a:off x="890752" y="2367448"/>
+            <a:ext cx="7831520" cy="369332"/>
+          </a:xfrm>
+          <a:prstGeom prst="rect">
+            <a:avLst/>
+          </a:prstGeom>
+          <a:noFill/>
+        </p:spPr>
+        <p:txBody>
+          <a:bodyPr wrap="square" rtlCol="0">
+            <a:spAutoFit/>
+          </a:bodyPr>
+          <a:lstStyle/>
+          <a:p>
+            <a:pPr marL="285750" indent="-285750">
+              <a:buFont typeface="Arial" panose="020B0604020202020204" pitchFamily="34" charset="0"/>
+              <a:buChar char="•"/>
+            </a:pPr>
+            <a:r>
+              <a:rPr lang="en-US" dirty="0"/>
+              <a:t>Mac OS X and most Linux distributions come with a SSH client pre-installed</a:t>
+            </a:r>
+          </a:p>
+        </p:txBody>
+      </p:sp>
+      <p:sp>
+        <p:nvSpPr>
+          <p:cNvPr id="7" name="TextBox 6">
+            <a:extLst>
+              <a:ext uri="{FF2B5EF4-FFF2-40B4-BE49-F238E27FC236}">
+                <a16:creationId xmlns:a16="http://schemas.microsoft.com/office/drawing/2014/main" id="{19870009-4C6A-10A6-9CF3-A935542C878B}"/>
+              </a:ext>
+            </a:extLst>
+          </p:cNvPr>
+          <p:cNvSpPr txBox="1"/>
+          <p:nvPr/>
+        </p:nvSpPr>
+        <p:spPr>
+          <a:xfrm>
+            <a:off x="890752" y="2736780"/>
+            <a:ext cx="7831520" cy="923330"/>
+          </a:xfrm>
+          <a:prstGeom prst="rect">
+            <a:avLst/>
+          </a:prstGeom>
+          <a:noFill/>
+        </p:spPr>
+        <p:txBody>
+          <a:bodyPr wrap="square" rtlCol="0">
+            <a:spAutoFit/>
+          </a:bodyPr>
+          <a:lstStyle/>
+          <a:p>
+            <a:pPr marL="285750" indent="-285750">
+              <a:buFont typeface="Arial" panose="020B0604020202020204" pitchFamily="34" charset="0"/>
+              <a:buChar char="•"/>
+            </a:pPr>
+            <a:r>
+              <a:rPr lang="en-US" dirty="0"/>
+              <a:t>Windows requires that you download a client</a:t>
+            </a:r>
+          </a:p>
+          <a:p>
+            <a:pPr marL="742950" lvl="1" indent="-285750">
+              <a:buFont typeface="Arial" panose="020B0604020202020204" pitchFamily="34" charset="0"/>
+              <a:buChar char="•"/>
+            </a:pPr>
+            <a:r>
+              <a:rPr lang="en-US" dirty="0" err="1"/>
+              <a:t>MobaxTerm</a:t>
+            </a:r>
+            <a:r>
+              <a:rPr lang="en-US" dirty="0"/>
+              <a:t> (recommended)</a:t>
+            </a:r>
+          </a:p>
+          <a:p>
+            <a:pPr marL="742950" lvl="1" indent="-285750">
+              <a:buFont typeface="Arial" panose="020B0604020202020204" pitchFamily="34" charset="0"/>
+              <a:buChar char="•"/>
+            </a:pPr>
+            <a:r>
+              <a:rPr lang="en-US" dirty="0"/>
+              <a:t>PuTTY – commonly used</a:t>
+            </a:r>
           </a:p>
         </p:txBody>
       </p:sp>
     </p:spTree>
     <p:extLst>
       <p:ext uri="{BB962C8B-B14F-4D97-AF65-F5344CB8AC3E}">
-        <p14:creationId xmlns:p14="http://schemas.microsoft.com/office/powerpoint/2010/main" val="1157496143"/>
+        <p14:creationId xmlns:p14="http://schemas.microsoft.com/office/powerpoint/2010/main" val="831437136"/>
       </p:ext>
     </p:extLst>
   </p:cSld>
@@ -4442,40 +5652,453 @@
           <a:p>
             <a:r>
               <a:rPr lang="en-US" dirty="0"/>
-              <a:t>Common Input File Types</a:t>
-            </a:r>
-          </a:p>
-        </p:txBody>
-      </p:sp>
-      <p:sp>
-        <p:nvSpPr>
-          <p:cNvPr id="3" name="Content Placeholder 2">
-            <a:extLst>
-              <a:ext uri="{FF2B5EF4-FFF2-40B4-BE49-F238E27FC236}">
-                <a16:creationId xmlns:a16="http://schemas.microsoft.com/office/drawing/2014/main" id="{42822FB1-1689-4BDF-6D4A-81F0430A68EF}"/>
-              </a:ext>
-            </a:extLst>
-          </p:cNvPr>
-          <p:cNvSpPr>
-            <a:spLocks noGrp="1"/>
-          </p:cNvSpPr>
-          <p:nvPr>
-            <p:ph idx="1"/>
-          </p:nvPr>
-        </p:nvSpPr>
-        <p:spPr/>
-        <p:txBody>
-          <a:bodyPr/>
-          <a:lstStyle/>
-          <a:p>
-            <a:endParaRPr lang="en-US"/>
+              <a:t>Common Bash Commands (Cheat Sheet)</a:t>
+            </a:r>
+          </a:p>
+        </p:txBody>
+      </p:sp>
+      <p:sp>
+        <p:nvSpPr>
+          <p:cNvPr id="3" name="TextBox 2">
+            <a:extLst>
+              <a:ext uri="{FF2B5EF4-FFF2-40B4-BE49-F238E27FC236}">
+                <a16:creationId xmlns:a16="http://schemas.microsoft.com/office/drawing/2014/main" id="{45DAB3A3-8DAD-8CF2-0D12-8E079280FF9F}"/>
+              </a:ext>
+            </a:extLst>
+          </p:cNvPr>
+          <p:cNvSpPr txBox="1"/>
+          <p:nvPr/>
+        </p:nvSpPr>
+        <p:spPr>
+          <a:xfrm>
+            <a:off x="101163" y="1541079"/>
+            <a:ext cx="4407776" cy="5078313"/>
+          </a:xfrm>
+          <a:prstGeom prst="rect">
+            <a:avLst/>
+          </a:prstGeom>
+          <a:noFill/>
+        </p:spPr>
+        <p:txBody>
+          <a:bodyPr wrap="square" rtlCol="0">
+            <a:spAutoFit/>
+          </a:bodyPr>
+          <a:lstStyle/>
+          <a:p>
+            <a:r>
+              <a:rPr lang="en-US" dirty="0">
+                <a:latin typeface="Courier New" panose="02070309020205020404" pitchFamily="49" charset="0"/>
+                <a:cs typeface="Courier New" panose="02070309020205020404" pitchFamily="49" charset="0"/>
+              </a:rPr>
+              <a:t>ls</a:t>
+            </a:r>
+            <a:r>
+              <a:rPr lang="en-US" dirty="0"/>
+              <a:t> – lists files and directories in current directory</a:t>
+            </a:r>
+          </a:p>
+          <a:p>
+            <a:endParaRPr lang="en-US" dirty="0"/>
+          </a:p>
+          <a:p>
+            <a:r>
+              <a:rPr lang="en-US" dirty="0">
+                <a:latin typeface="Courier New" panose="02070309020205020404" pitchFamily="49" charset="0"/>
+                <a:cs typeface="Courier New" panose="02070309020205020404" pitchFamily="49" charset="0"/>
+              </a:rPr>
+              <a:t>cd </a:t>
+            </a:r>
+            <a:r>
+              <a:rPr lang="en-US" dirty="0"/>
+              <a:t>– change directory</a:t>
+            </a:r>
+          </a:p>
+          <a:p>
+            <a:endParaRPr lang="en-US" dirty="0"/>
+          </a:p>
+          <a:p>
+            <a:r>
+              <a:rPr lang="en-US" dirty="0" err="1">
+                <a:latin typeface="Courier New" panose="02070309020205020404" pitchFamily="49" charset="0"/>
+                <a:cs typeface="Courier New" panose="02070309020205020404" pitchFamily="49" charset="0"/>
+              </a:rPr>
+              <a:t>pwd</a:t>
+            </a:r>
+            <a:r>
+              <a:rPr lang="en-US" dirty="0"/>
+              <a:t> – print working directory</a:t>
+            </a:r>
+          </a:p>
+          <a:p>
+            <a:endParaRPr lang="en-US" dirty="0"/>
+          </a:p>
+          <a:p>
+            <a:r>
+              <a:rPr lang="en-US" dirty="0" err="1">
+                <a:latin typeface="Courier New" panose="02070309020205020404" pitchFamily="49" charset="0"/>
+                <a:cs typeface="Courier New" panose="02070309020205020404" pitchFamily="49" charset="0"/>
+              </a:rPr>
+              <a:t>mkdir</a:t>
+            </a:r>
+            <a:r>
+              <a:rPr lang="en-US" dirty="0"/>
+              <a:t> – make directory</a:t>
+            </a:r>
+          </a:p>
+          <a:p>
+            <a:endParaRPr lang="en-US" dirty="0"/>
+          </a:p>
+          <a:p>
+            <a:r>
+              <a:rPr lang="en-US" dirty="0" err="1">
+                <a:latin typeface="Courier New" panose="02070309020205020404" pitchFamily="49" charset="0"/>
+                <a:cs typeface="Courier New" panose="02070309020205020404" pitchFamily="49" charset="0"/>
+              </a:rPr>
+              <a:t>sudo</a:t>
+            </a:r>
+            <a:r>
+              <a:rPr lang="en-US" dirty="0"/>
+              <a:t> – super user do (root privilege)</a:t>
+            </a:r>
+          </a:p>
+          <a:p>
+            <a:endParaRPr lang="en-US" dirty="0"/>
+          </a:p>
+          <a:p>
+            <a:r>
+              <a:rPr lang="en-US" dirty="0">
+                <a:latin typeface="Courier New" panose="02070309020205020404" pitchFamily="49" charset="0"/>
+                <a:cs typeface="Courier New" panose="02070309020205020404" pitchFamily="49" charset="0"/>
+              </a:rPr>
+              <a:t>cp</a:t>
+            </a:r>
+            <a:r>
+              <a:rPr lang="en-US" dirty="0"/>
+              <a:t> – copy</a:t>
+            </a:r>
+          </a:p>
+          <a:p>
+            <a:endParaRPr lang="en-US" dirty="0"/>
+          </a:p>
+          <a:p>
+            <a:r>
+              <a:rPr lang="en-US" dirty="0">
+                <a:latin typeface="Courier New" panose="02070309020205020404" pitchFamily="49" charset="0"/>
+                <a:cs typeface="Courier New" panose="02070309020205020404" pitchFamily="49" charset="0"/>
+              </a:rPr>
+              <a:t>mv</a:t>
+            </a:r>
+            <a:r>
+              <a:rPr lang="en-US" dirty="0"/>
+              <a:t> – move </a:t>
+            </a:r>
+          </a:p>
+          <a:p>
+            <a:endParaRPr lang="en-US" dirty="0"/>
+          </a:p>
+          <a:p>
+            <a:r>
+              <a:rPr lang="en-US" dirty="0">
+                <a:latin typeface="Courier New" panose="02070309020205020404" pitchFamily="49" charset="0"/>
+                <a:cs typeface="Courier New" panose="02070309020205020404" pitchFamily="49" charset="0"/>
+              </a:rPr>
+              <a:t>history</a:t>
+            </a:r>
+            <a:r>
+              <a:rPr lang="en-US" dirty="0"/>
+              <a:t> – history of previous commands</a:t>
+            </a:r>
+          </a:p>
+          <a:p>
+            <a:endParaRPr lang="en-US" dirty="0"/>
+          </a:p>
+          <a:p>
+            <a:r>
+              <a:rPr lang="en-US" dirty="0">
+                <a:latin typeface="Courier New" panose="02070309020205020404" pitchFamily="49" charset="0"/>
+                <a:cs typeface="Courier New" panose="02070309020205020404" pitchFamily="49" charset="0"/>
+              </a:rPr>
+              <a:t>clear</a:t>
+            </a:r>
+            <a:r>
+              <a:rPr lang="en-US" dirty="0"/>
+              <a:t> -  clear current screen</a:t>
+            </a:r>
+          </a:p>
+        </p:txBody>
+      </p:sp>
+      <p:sp>
+        <p:nvSpPr>
+          <p:cNvPr id="5" name="TextBox 4">
+            <a:extLst>
+              <a:ext uri="{FF2B5EF4-FFF2-40B4-BE49-F238E27FC236}">
+                <a16:creationId xmlns:a16="http://schemas.microsoft.com/office/drawing/2014/main" id="{482016BD-5D0B-6427-4F08-A39CCD44F094}"/>
+              </a:ext>
+            </a:extLst>
+          </p:cNvPr>
+          <p:cNvSpPr txBox="1"/>
+          <p:nvPr/>
+        </p:nvSpPr>
+        <p:spPr>
+          <a:xfrm>
+            <a:off x="4508939" y="1541079"/>
+            <a:ext cx="4614041" cy="5355312"/>
+          </a:xfrm>
+          <a:prstGeom prst="rect">
+            <a:avLst/>
+          </a:prstGeom>
+          <a:noFill/>
+        </p:spPr>
+        <p:txBody>
+          <a:bodyPr wrap="square" rtlCol="0">
+            <a:spAutoFit/>
+          </a:bodyPr>
+          <a:lstStyle/>
+          <a:p>
+            <a:r>
+              <a:rPr lang="en-US" dirty="0">
+                <a:latin typeface="Courier New" panose="02070309020205020404" pitchFamily="49" charset="0"/>
+                <a:cs typeface="Courier New" panose="02070309020205020404" pitchFamily="49" charset="0"/>
+              </a:rPr>
+              <a:t>echo</a:t>
+            </a:r>
+            <a:r>
+              <a:rPr lang="en-US" dirty="0"/>
+              <a:t> – print statement</a:t>
+            </a:r>
+          </a:p>
+          <a:p>
+            <a:endParaRPr lang="en-US" dirty="0"/>
+          </a:p>
+          <a:p>
+            <a:r>
+              <a:rPr lang="en-US" dirty="0">
+                <a:latin typeface="Courier New" panose="02070309020205020404" pitchFamily="49" charset="0"/>
+                <a:cs typeface="Courier New" panose="02070309020205020404" pitchFamily="49" charset="0"/>
+              </a:rPr>
+              <a:t>grep</a:t>
+            </a:r>
+            <a:r>
+              <a:rPr lang="en-US" dirty="0"/>
+              <a:t> –  search for a regular expression</a:t>
+            </a:r>
+          </a:p>
+          <a:p>
+            <a:endParaRPr lang="en-US" dirty="0"/>
+          </a:p>
+          <a:p>
+            <a:r>
+              <a:rPr lang="en-US" dirty="0">
+                <a:latin typeface="Courier New" panose="02070309020205020404" pitchFamily="49" charset="0"/>
+                <a:cs typeface="Courier New" panose="02070309020205020404" pitchFamily="49" charset="0"/>
+              </a:rPr>
+              <a:t>sed</a:t>
+            </a:r>
+            <a:r>
+              <a:rPr lang="en-US" dirty="0"/>
+              <a:t> – find and replace</a:t>
+            </a:r>
+          </a:p>
+          <a:p>
+            <a:endParaRPr lang="en-US" dirty="0"/>
+          </a:p>
+          <a:p>
+            <a:r>
+              <a:rPr lang="en-US" dirty="0">
+                <a:latin typeface="Courier New" panose="02070309020205020404" pitchFamily="49" charset="0"/>
+                <a:cs typeface="Courier New" panose="02070309020205020404" pitchFamily="49" charset="0"/>
+              </a:rPr>
+              <a:t>cut</a:t>
+            </a:r>
+            <a:r>
+              <a:rPr lang="en-US" dirty="0"/>
+              <a:t> – extract data by field</a:t>
+            </a:r>
+          </a:p>
+          <a:p>
+            <a:endParaRPr lang="en-US" dirty="0"/>
+          </a:p>
+          <a:p>
+            <a:r>
+              <a:rPr lang="en-US" dirty="0">
+                <a:latin typeface="Courier New" panose="02070309020205020404" pitchFamily="49" charset="0"/>
+                <a:cs typeface="Courier New" panose="02070309020205020404" pitchFamily="49" charset="0"/>
+              </a:rPr>
+              <a:t>cat</a:t>
+            </a:r>
+            <a:r>
+              <a:rPr lang="en-US" dirty="0"/>
+              <a:t> – concatenate</a:t>
+            </a:r>
+          </a:p>
+          <a:p>
+            <a:endParaRPr lang="en-US" dirty="0"/>
+          </a:p>
+          <a:p>
+            <a:r>
+              <a:rPr lang="en-US" dirty="0">
+                <a:latin typeface="Courier New" panose="02070309020205020404" pitchFamily="49" charset="0"/>
+                <a:cs typeface="Courier New" panose="02070309020205020404" pitchFamily="49" charset="0"/>
+              </a:rPr>
+              <a:t>|</a:t>
+            </a:r>
+            <a:r>
+              <a:rPr lang="en-US" dirty="0"/>
+              <a:t> - “pipes” the output of one command to another</a:t>
+            </a:r>
+          </a:p>
+          <a:p>
+            <a:endParaRPr lang="en-US" dirty="0"/>
+          </a:p>
+          <a:p>
+            <a:r>
+              <a:rPr lang="en-US" dirty="0">
+                <a:latin typeface="Courier New" panose="02070309020205020404" pitchFamily="49" charset="0"/>
+                <a:cs typeface="Courier New" panose="02070309020205020404" pitchFamily="49" charset="0"/>
+              </a:rPr>
+              <a:t>head</a:t>
+            </a:r>
+            <a:r>
+              <a:rPr lang="en-US" dirty="0"/>
+              <a:t> –  prints the top portion of a file</a:t>
+            </a:r>
+          </a:p>
+          <a:p>
+            <a:endParaRPr lang="en-US" dirty="0"/>
+          </a:p>
+          <a:p>
+            <a:r>
+              <a:rPr lang="en-US" dirty="0">
+                <a:latin typeface="Courier New" panose="02070309020205020404" pitchFamily="49" charset="0"/>
+                <a:cs typeface="Courier New" panose="02070309020205020404" pitchFamily="49" charset="0"/>
+              </a:rPr>
+              <a:t>tail </a:t>
+            </a:r>
+            <a:r>
+              <a:rPr lang="en-US" dirty="0"/>
+              <a:t>–  prints the bottom portion of a file</a:t>
+            </a:r>
+          </a:p>
+          <a:p>
+            <a:endParaRPr lang="en-US" dirty="0"/>
+          </a:p>
+          <a:p>
+            <a:r>
+              <a:rPr lang="en-US" dirty="0" err="1">
+                <a:latin typeface="Courier New" panose="02070309020205020404" pitchFamily="49" charset="0"/>
+                <a:cs typeface="Courier New" panose="02070309020205020404" pitchFamily="49" charset="0"/>
+              </a:rPr>
+              <a:t>chmod</a:t>
+            </a:r>
+            <a:r>
+              <a:rPr lang="en-US" dirty="0"/>
+              <a:t> – change file permissions</a:t>
+            </a:r>
+          </a:p>
+          <a:p>
+            <a:endParaRPr lang="en-US" dirty="0"/>
+          </a:p>
+        </p:txBody>
+      </p:sp>
+      <p:sp>
+        <p:nvSpPr>
+          <p:cNvPr id="7" name="TextBox 6">
+            <a:extLst>
+              <a:ext uri="{FF2B5EF4-FFF2-40B4-BE49-F238E27FC236}">
+                <a16:creationId xmlns:a16="http://schemas.microsoft.com/office/drawing/2014/main" id="{C28FE841-0256-FCA3-42F7-73F303952E97}"/>
+              </a:ext>
+            </a:extLst>
+          </p:cNvPr>
+          <p:cNvSpPr txBox="1"/>
+          <p:nvPr/>
+        </p:nvSpPr>
+        <p:spPr>
+          <a:xfrm>
+            <a:off x="8702567" y="1541079"/>
+            <a:ext cx="3141280" cy="2031325"/>
+          </a:xfrm>
+          <a:prstGeom prst="rect">
+            <a:avLst/>
+          </a:prstGeom>
+          <a:noFill/>
+        </p:spPr>
+        <p:txBody>
+          <a:bodyPr wrap="square" rtlCol="0">
+            <a:spAutoFit/>
+          </a:bodyPr>
+          <a:lstStyle/>
+          <a:p>
+            <a:r>
+              <a:rPr lang="en-US" dirty="0">
+                <a:latin typeface="Courier New" panose="02070309020205020404" pitchFamily="49" charset="0"/>
+                <a:cs typeface="Courier New" panose="02070309020205020404" pitchFamily="49" charset="0"/>
+              </a:rPr>
+              <a:t>unzip</a:t>
+            </a:r>
+            <a:r>
+              <a:rPr lang="en-US" dirty="0"/>
+              <a:t> – unzips a .zip file</a:t>
+            </a:r>
+          </a:p>
+          <a:p>
+            <a:endParaRPr lang="en-US" dirty="0"/>
+          </a:p>
+          <a:p>
+            <a:r>
+              <a:rPr lang="en-US" dirty="0">
+                <a:latin typeface="Courier New" panose="02070309020205020404" pitchFamily="49" charset="0"/>
+                <a:cs typeface="Courier New" panose="02070309020205020404" pitchFamily="49" charset="0"/>
+              </a:rPr>
+              <a:t>tar</a:t>
+            </a:r>
+            <a:r>
+              <a:rPr lang="en-US" dirty="0"/>
+              <a:t> – can decompress .</a:t>
+            </a:r>
+            <a:r>
+              <a:rPr lang="en-US"/>
+              <a:t>tar files</a:t>
+            </a:r>
+          </a:p>
+          <a:p>
+            <a:endParaRPr lang="en-US" dirty="0"/>
+          </a:p>
+          <a:p>
+            <a:r>
+              <a:rPr lang="en-US" dirty="0" err="1">
+                <a:latin typeface="Courier New" panose="02070309020205020404" pitchFamily="49" charset="0"/>
+                <a:cs typeface="Courier New" panose="02070309020205020404" pitchFamily="49" charset="0"/>
+              </a:rPr>
+              <a:t>gunzip</a:t>
+            </a:r>
+            <a:r>
+              <a:rPr lang="en-US" dirty="0"/>
+              <a:t> – can unzip .</a:t>
+            </a:r>
+            <a:r>
+              <a:rPr lang="en-US" dirty="0" err="1"/>
+              <a:t>gz</a:t>
+            </a:r>
+            <a:r>
+              <a:rPr lang="en-US" dirty="0"/>
+              <a:t> files</a:t>
+            </a:r>
+          </a:p>
+          <a:p>
+            <a:r>
+              <a:rPr lang="en-US" dirty="0"/>
+              <a:t> </a:t>
+            </a:r>
+          </a:p>
+          <a:p>
+            <a:endParaRPr lang="en-US" dirty="0"/>
           </a:p>
         </p:txBody>
       </p:sp>
     </p:spTree>
     <p:extLst>
       <p:ext uri="{BB962C8B-B14F-4D97-AF65-F5344CB8AC3E}">
-        <p14:creationId xmlns:p14="http://schemas.microsoft.com/office/powerpoint/2010/main" val="3958410494"/>
+        <p14:creationId xmlns:p14="http://schemas.microsoft.com/office/powerpoint/2010/main" val="1157496143"/>
       </p:ext>
     </p:extLst>
   </p:cSld>
@@ -4525,40 +6148,416 @@
           <a:p>
             <a:r>
               <a:rPr lang="en-US" dirty="0"/>
-              <a:t>Bash Script Explained</a:t>
-            </a:r>
-          </a:p>
-        </p:txBody>
-      </p:sp>
-      <p:sp>
-        <p:nvSpPr>
-          <p:cNvPr id="3" name="Content Placeholder 2">
-            <a:extLst>
-              <a:ext uri="{FF2B5EF4-FFF2-40B4-BE49-F238E27FC236}">
-                <a16:creationId xmlns:a16="http://schemas.microsoft.com/office/drawing/2014/main" id="{42822FB1-1689-4BDF-6D4A-81F0430A68EF}"/>
-              </a:ext>
-            </a:extLst>
-          </p:cNvPr>
-          <p:cNvSpPr>
-            <a:spLocks noGrp="1"/>
-          </p:cNvSpPr>
-          <p:nvPr>
-            <p:ph idx="1"/>
-          </p:nvPr>
-        </p:nvSpPr>
-        <p:spPr/>
-        <p:txBody>
-          <a:bodyPr/>
-          <a:lstStyle/>
-          <a:p>
-            <a:endParaRPr lang="en-US"/>
+              <a:t>Basic package install (Ubuntu &amp; CentOS)</a:t>
+            </a:r>
+          </a:p>
+        </p:txBody>
+      </p:sp>
+      <p:sp>
+        <p:nvSpPr>
+          <p:cNvPr id="4" name="TextBox 3">
+            <a:extLst>
+              <a:ext uri="{FF2B5EF4-FFF2-40B4-BE49-F238E27FC236}">
+                <a16:creationId xmlns:a16="http://schemas.microsoft.com/office/drawing/2014/main" id="{447DA1A9-AB20-7839-0086-C56B8F3D07FC}"/>
+              </a:ext>
+            </a:extLst>
+          </p:cNvPr>
+          <p:cNvSpPr txBox="1"/>
+          <p:nvPr/>
+        </p:nvSpPr>
+        <p:spPr>
+          <a:xfrm rot="10800000" flipH="1" flipV="1">
+            <a:off x="1252845" y="1690688"/>
+            <a:ext cx="3110262" cy="584775"/>
+          </a:xfrm>
+          <a:prstGeom prst="rect">
+            <a:avLst/>
+          </a:prstGeom>
+          <a:noFill/>
+        </p:spPr>
+        <p:txBody>
+          <a:bodyPr wrap="square" rtlCol="0">
+            <a:spAutoFit/>
+          </a:bodyPr>
+          <a:lstStyle/>
+          <a:p>
+            <a:pPr algn="ctr"/>
+            <a:r>
+              <a:rPr lang="en-US" sz="3200" b="1" dirty="0"/>
+              <a:t>Ubuntu</a:t>
+            </a:r>
+          </a:p>
+        </p:txBody>
+      </p:sp>
+      <p:sp>
+        <p:nvSpPr>
+          <p:cNvPr id="6" name="TextBox 5">
+            <a:extLst>
+              <a:ext uri="{FF2B5EF4-FFF2-40B4-BE49-F238E27FC236}">
+                <a16:creationId xmlns:a16="http://schemas.microsoft.com/office/drawing/2014/main" id="{D5A2E911-D9C9-561D-D81C-981F28DA9F3A}"/>
+              </a:ext>
+            </a:extLst>
+          </p:cNvPr>
+          <p:cNvSpPr txBox="1"/>
+          <p:nvPr/>
+        </p:nvSpPr>
+        <p:spPr>
+          <a:xfrm rot="10800000" flipH="1" flipV="1">
+            <a:off x="6899528" y="1690688"/>
+            <a:ext cx="3110262" cy="584775"/>
+          </a:xfrm>
+          <a:prstGeom prst="rect">
+            <a:avLst/>
+          </a:prstGeom>
+          <a:noFill/>
+        </p:spPr>
+        <p:txBody>
+          <a:bodyPr wrap="square" rtlCol="0">
+            <a:spAutoFit/>
+          </a:bodyPr>
+          <a:lstStyle/>
+          <a:p>
+            <a:pPr algn="ctr"/>
+            <a:r>
+              <a:rPr lang="en-US" sz="3200" b="1" dirty="0"/>
+              <a:t>CentOS</a:t>
+            </a:r>
+          </a:p>
+        </p:txBody>
+      </p:sp>
+      <p:sp>
+        <p:nvSpPr>
+          <p:cNvPr id="8" name="TextBox 7">
+            <a:extLst>
+              <a:ext uri="{FF2B5EF4-FFF2-40B4-BE49-F238E27FC236}">
+                <a16:creationId xmlns:a16="http://schemas.microsoft.com/office/drawing/2014/main" id="{598B8BD3-106E-18AF-A5E2-FA11F493BC4B}"/>
+              </a:ext>
+            </a:extLst>
+          </p:cNvPr>
+          <p:cNvSpPr txBox="1"/>
+          <p:nvPr/>
+        </p:nvSpPr>
+        <p:spPr>
+          <a:xfrm>
+            <a:off x="219404" y="2439713"/>
+            <a:ext cx="4407776" cy="2862322"/>
+          </a:xfrm>
+          <a:prstGeom prst="rect">
+            <a:avLst/>
+          </a:prstGeom>
+          <a:noFill/>
+        </p:spPr>
+        <p:txBody>
+          <a:bodyPr wrap="square" rtlCol="0">
+            <a:spAutoFit/>
+          </a:bodyPr>
+          <a:lstStyle/>
+          <a:p>
+            <a:r>
+              <a:rPr lang="en-US" dirty="0">
+                <a:latin typeface="Courier New" panose="02070309020205020404" pitchFamily="49" charset="0"/>
+                <a:cs typeface="Courier New" panose="02070309020205020404" pitchFamily="49" charset="0"/>
+              </a:rPr>
+              <a:t>apt-get </a:t>
+            </a:r>
+            <a:r>
+              <a:rPr lang="en-US" dirty="0">
+                <a:cs typeface="Courier New" panose="02070309020205020404" pitchFamily="49" charset="0"/>
+              </a:rPr>
+              <a:t>–</a:t>
+            </a:r>
+            <a:r>
+              <a:rPr lang="en-US" dirty="0">
+                <a:latin typeface="Courier New" panose="02070309020205020404" pitchFamily="49" charset="0"/>
+                <a:cs typeface="Courier New" panose="02070309020205020404" pitchFamily="49" charset="0"/>
+              </a:rPr>
+              <a:t> </a:t>
+            </a:r>
+            <a:r>
+              <a:rPr lang="en-US" dirty="0">
+                <a:cs typeface="Courier New" panose="02070309020205020404" pitchFamily="49" charset="0"/>
+              </a:rPr>
+              <a:t>download package(s)</a:t>
+            </a:r>
+          </a:p>
+          <a:p>
+            <a:endParaRPr lang="en-US" dirty="0">
+              <a:latin typeface="Courier New" panose="02070309020205020404" pitchFamily="49" charset="0"/>
+              <a:cs typeface="Courier New" panose="02070309020205020404" pitchFamily="49" charset="0"/>
+            </a:endParaRPr>
+          </a:p>
+          <a:p>
+            <a:r>
+              <a:rPr lang="en-US" dirty="0">
+                <a:latin typeface="Courier New" panose="02070309020205020404" pitchFamily="49" charset="0"/>
+                <a:cs typeface="Courier New" panose="02070309020205020404" pitchFamily="49" charset="0"/>
+              </a:rPr>
+              <a:t>apt-get install </a:t>
+            </a:r>
+            <a:r>
+              <a:rPr lang="en-US" dirty="0">
+                <a:cs typeface="Courier New" panose="02070309020205020404" pitchFamily="49" charset="0"/>
+              </a:rPr>
+              <a:t>– downloads and installs package(s)</a:t>
+            </a:r>
+            <a:r>
+              <a:rPr lang="en-US" dirty="0">
+                <a:latin typeface="Courier New" panose="02070309020205020404" pitchFamily="49" charset="0"/>
+                <a:cs typeface="Courier New" panose="02070309020205020404" pitchFamily="49" charset="0"/>
+              </a:rPr>
+              <a:t> </a:t>
+            </a:r>
+          </a:p>
+          <a:p>
+            <a:endParaRPr lang="en-US" dirty="0">
+              <a:latin typeface="Courier New" panose="02070309020205020404" pitchFamily="49" charset="0"/>
+              <a:cs typeface="Courier New" panose="02070309020205020404" pitchFamily="49" charset="0"/>
+            </a:endParaRPr>
+          </a:p>
+          <a:p>
+            <a:r>
+              <a:rPr lang="en-US" dirty="0" err="1">
+                <a:latin typeface="Courier New" panose="02070309020205020404" pitchFamily="49" charset="0"/>
+                <a:cs typeface="Courier New" panose="02070309020205020404" pitchFamily="49" charset="0"/>
+              </a:rPr>
+              <a:t>sudo</a:t>
+            </a:r>
+            <a:r>
+              <a:rPr lang="en-US" dirty="0">
+                <a:latin typeface="Courier New" panose="02070309020205020404" pitchFamily="49" charset="0"/>
+                <a:cs typeface="Courier New" panose="02070309020205020404" pitchFamily="49" charset="0"/>
+              </a:rPr>
+              <a:t> </a:t>
+            </a:r>
+            <a:r>
+              <a:rPr lang="en-US" dirty="0">
+                <a:cs typeface="Courier New" panose="02070309020205020404" pitchFamily="49" charset="0"/>
+              </a:rPr>
+              <a:t>– “super user do” root </a:t>
+            </a:r>
+            <a:r>
+              <a:rPr lang="en-US" dirty="0" err="1">
+                <a:cs typeface="Courier New" panose="02070309020205020404" pitchFamily="49" charset="0"/>
+              </a:rPr>
+              <a:t>privelages</a:t>
+            </a:r>
+            <a:endParaRPr lang="en-US" dirty="0">
+              <a:latin typeface="Courier New" panose="02070309020205020404" pitchFamily="49" charset="0"/>
+              <a:cs typeface="Courier New" panose="02070309020205020404" pitchFamily="49" charset="0"/>
+            </a:endParaRPr>
+          </a:p>
+          <a:p>
+            <a:endParaRPr lang="en-US" dirty="0">
+              <a:latin typeface="Courier New" panose="02070309020205020404" pitchFamily="49" charset="0"/>
+              <a:cs typeface="Courier New" panose="02070309020205020404" pitchFamily="49" charset="0"/>
+            </a:endParaRPr>
+          </a:p>
+          <a:p>
+            <a:r>
+              <a:rPr lang="en-US" dirty="0" err="1">
+                <a:latin typeface="Courier New" panose="02070309020205020404" pitchFamily="49" charset="0"/>
+                <a:cs typeface="Courier New" panose="02070309020205020404" pitchFamily="49" charset="0"/>
+              </a:rPr>
+              <a:t>sudo</a:t>
+            </a:r>
+            <a:r>
+              <a:rPr lang="en-US" dirty="0">
+                <a:latin typeface="Courier New" panose="02070309020205020404" pitchFamily="49" charset="0"/>
+                <a:cs typeface="Courier New" panose="02070309020205020404" pitchFamily="49" charset="0"/>
+              </a:rPr>
+              <a:t> apt-get install nano –</a:t>
+            </a:r>
+            <a:r>
+              <a:rPr lang="en-US" dirty="0">
+                <a:cs typeface="Courier New" panose="02070309020205020404" pitchFamily="49" charset="0"/>
+              </a:rPr>
+              <a:t> example script for installing the text editor, “nano”</a:t>
+            </a:r>
+            <a:endParaRPr lang="en-US" dirty="0">
+              <a:latin typeface="Courier New" panose="02070309020205020404" pitchFamily="49" charset="0"/>
+              <a:cs typeface="Courier New" panose="02070309020205020404" pitchFamily="49" charset="0"/>
+            </a:endParaRPr>
+          </a:p>
+        </p:txBody>
+      </p:sp>
+      <p:sp>
+        <p:nvSpPr>
+          <p:cNvPr id="12" name="TextBox 11">
+            <a:extLst>
+              <a:ext uri="{FF2B5EF4-FFF2-40B4-BE49-F238E27FC236}">
+                <a16:creationId xmlns:a16="http://schemas.microsoft.com/office/drawing/2014/main" id="{FAE6E779-AF54-EFEE-F4C0-EA51338EF0E3}"/>
+              </a:ext>
+            </a:extLst>
+          </p:cNvPr>
+          <p:cNvSpPr txBox="1"/>
+          <p:nvPr/>
+        </p:nvSpPr>
+        <p:spPr>
+          <a:xfrm>
+            <a:off x="6764721" y="2439712"/>
+            <a:ext cx="4407776" cy="2862322"/>
+          </a:xfrm>
+          <a:prstGeom prst="rect">
+            <a:avLst/>
+          </a:prstGeom>
+          <a:noFill/>
+        </p:spPr>
+        <p:txBody>
+          <a:bodyPr wrap="square" rtlCol="0">
+            <a:spAutoFit/>
+          </a:bodyPr>
+          <a:lstStyle/>
+          <a:p>
+            <a:r>
+              <a:rPr lang="en-US" dirty="0">
+                <a:latin typeface="Courier New" panose="02070309020205020404" pitchFamily="49" charset="0"/>
+                <a:cs typeface="Courier New" panose="02070309020205020404" pitchFamily="49" charset="0"/>
+              </a:rPr>
+              <a:t>Yum install </a:t>
+            </a:r>
+            <a:r>
+              <a:rPr lang="en-US" dirty="0">
+                <a:cs typeface="Courier New" panose="02070309020205020404" pitchFamily="49" charset="0"/>
+              </a:rPr>
+              <a:t>–</a:t>
+            </a:r>
+            <a:r>
+              <a:rPr lang="en-US" dirty="0">
+                <a:latin typeface="Courier New" panose="02070309020205020404" pitchFamily="49" charset="0"/>
+                <a:cs typeface="Courier New" panose="02070309020205020404" pitchFamily="49" charset="0"/>
+              </a:rPr>
+              <a:t> </a:t>
+            </a:r>
+            <a:r>
+              <a:rPr lang="en-US" dirty="0">
+                <a:cs typeface="Courier New" panose="02070309020205020404" pitchFamily="49" charset="0"/>
+              </a:rPr>
+              <a:t>downloads and installs package(s)</a:t>
+            </a:r>
+          </a:p>
+          <a:p>
+            <a:endParaRPr lang="en-US" dirty="0">
+              <a:latin typeface="Courier New" panose="02070309020205020404" pitchFamily="49" charset="0"/>
+              <a:cs typeface="Courier New" panose="02070309020205020404" pitchFamily="49" charset="0"/>
+            </a:endParaRPr>
+          </a:p>
+          <a:p>
+            <a:r>
+              <a:rPr lang="en-US" dirty="0">
+                <a:latin typeface="Courier New" panose="02070309020205020404" pitchFamily="49" charset="0"/>
+                <a:cs typeface="Courier New" panose="02070309020205020404" pitchFamily="49" charset="0"/>
+              </a:rPr>
+              <a:t>Yum install -y </a:t>
+            </a:r>
+            <a:r>
+              <a:rPr lang="en-US" dirty="0">
+                <a:cs typeface="Courier New" panose="02070309020205020404" pitchFamily="49" charset="0"/>
+              </a:rPr>
+              <a:t>– downloads and installs package(s)</a:t>
+            </a:r>
+            <a:r>
+              <a:rPr lang="en-US" dirty="0">
+                <a:latin typeface="Courier New" panose="02070309020205020404" pitchFamily="49" charset="0"/>
+                <a:cs typeface="Courier New" panose="02070309020205020404" pitchFamily="49" charset="0"/>
+              </a:rPr>
+              <a:t> </a:t>
+            </a:r>
+            <a:r>
+              <a:rPr lang="en-US" dirty="0">
+                <a:cs typeface="Courier New" panose="02070309020205020404" pitchFamily="49" charset="0"/>
+              </a:rPr>
+              <a:t>answers yes to prompts</a:t>
+            </a:r>
+          </a:p>
+          <a:p>
+            <a:endParaRPr lang="en-US" dirty="0">
+              <a:latin typeface="Courier New" panose="02070309020205020404" pitchFamily="49" charset="0"/>
+              <a:cs typeface="Courier New" panose="02070309020205020404" pitchFamily="49" charset="0"/>
+            </a:endParaRPr>
+          </a:p>
+          <a:p>
+            <a:r>
+              <a:rPr lang="en-US" dirty="0" err="1">
+                <a:latin typeface="Courier New" panose="02070309020205020404" pitchFamily="49" charset="0"/>
+                <a:cs typeface="Courier New" panose="02070309020205020404" pitchFamily="49" charset="0"/>
+              </a:rPr>
+              <a:t>sudo</a:t>
+            </a:r>
+            <a:r>
+              <a:rPr lang="en-US" dirty="0">
+                <a:latin typeface="Courier New" panose="02070309020205020404" pitchFamily="49" charset="0"/>
+                <a:cs typeface="Courier New" panose="02070309020205020404" pitchFamily="49" charset="0"/>
+              </a:rPr>
+              <a:t> </a:t>
+            </a:r>
+            <a:r>
+              <a:rPr lang="en-US" dirty="0">
+                <a:cs typeface="Courier New" panose="02070309020205020404" pitchFamily="49" charset="0"/>
+              </a:rPr>
+              <a:t>–</a:t>
+            </a:r>
+            <a:r>
+              <a:rPr lang="en-US" dirty="0">
+                <a:latin typeface="Courier New" panose="02070309020205020404" pitchFamily="49" charset="0"/>
+                <a:cs typeface="Courier New" panose="02070309020205020404" pitchFamily="49" charset="0"/>
+              </a:rPr>
+              <a:t> </a:t>
+            </a:r>
+            <a:r>
+              <a:rPr lang="en-US" dirty="0">
+                <a:cs typeface="Courier New" panose="02070309020205020404" pitchFamily="49" charset="0"/>
+              </a:rPr>
+              <a:t>“super user do” root </a:t>
+            </a:r>
+            <a:r>
+              <a:rPr lang="en-US" dirty="0" err="1">
+                <a:cs typeface="Courier New" panose="02070309020205020404" pitchFamily="49" charset="0"/>
+              </a:rPr>
+              <a:t>privelages</a:t>
+            </a:r>
+            <a:endParaRPr lang="en-US" dirty="0">
+              <a:latin typeface="Courier New" panose="02070309020205020404" pitchFamily="49" charset="0"/>
+              <a:cs typeface="Courier New" panose="02070309020205020404" pitchFamily="49" charset="0"/>
+            </a:endParaRPr>
+          </a:p>
+          <a:p>
+            <a:endParaRPr lang="en-US" dirty="0">
+              <a:latin typeface="Courier New" panose="02070309020205020404" pitchFamily="49" charset="0"/>
+              <a:cs typeface="Courier New" panose="02070309020205020404" pitchFamily="49" charset="0"/>
+            </a:endParaRPr>
+          </a:p>
+          <a:p>
+            <a:r>
+              <a:rPr lang="en-US" dirty="0" err="1">
+                <a:latin typeface="Courier New" panose="02070309020205020404" pitchFamily="49" charset="0"/>
+                <a:cs typeface="Courier New" panose="02070309020205020404" pitchFamily="49" charset="0"/>
+              </a:rPr>
+              <a:t>sudo</a:t>
+            </a:r>
+            <a:r>
+              <a:rPr lang="en-US" dirty="0">
+                <a:latin typeface="Courier New" panose="02070309020205020404" pitchFamily="49" charset="0"/>
+                <a:cs typeface="Courier New" panose="02070309020205020404" pitchFamily="49" charset="0"/>
+              </a:rPr>
+              <a:t> yum install –y nano </a:t>
+            </a:r>
+            <a:r>
+              <a:rPr lang="en-US" dirty="0">
+                <a:cs typeface="Courier New" panose="02070309020205020404" pitchFamily="49" charset="0"/>
+              </a:rPr>
+              <a:t>example script for installing the text editor, “nano”</a:t>
+            </a:r>
+            <a:endParaRPr lang="en-US" dirty="0">
+              <a:latin typeface="Courier New" panose="02070309020205020404" pitchFamily="49" charset="0"/>
+              <a:cs typeface="Courier New" panose="02070309020205020404" pitchFamily="49" charset="0"/>
+            </a:endParaRPr>
           </a:p>
         </p:txBody>
       </p:sp>
     </p:spTree>
     <p:extLst>
       <p:ext uri="{BB962C8B-B14F-4D97-AF65-F5344CB8AC3E}">
-        <p14:creationId xmlns:p14="http://schemas.microsoft.com/office/powerpoint/2010/main" val="1734964777"/>
+        <p14:creationId xmlns:p14="http://schemas.microsoft.com/office/powerpoint/2010/main" val="3227303164"/>
       </p:ext>
     </p:extLst>
   </p:cSld>
@@ -4608,40 +6607,131 @@
           <a:p>
             <a:r>
               <a:rPr lang="en-US" dirty="0"/>
-              <a:t>Basic package install (Ubuntu &amp; CentOS)</a:t>
-            </a:r>
-          </a:p>
-        </p:txBody>
-      </p:sp>
-      <p:sp>
-        <p:nvSpPr>
-          <p:cNvPr id="3" name="Content Placeholder 2">
-            <a:extLst>
-              <a:ext uri="{FF2B5EF4-FFF2-40B4-BE49-F238E27FC236}">
-                <a16:creationId xmlns:a16="http://schemas.microsoft.com/office/drawing/2014/main" id="{42822FB1-1689-4BDF-6D4A-81F0430A68EF}"/>
-              </a:ext>
-            </a:extLst>
-          </p:cNvPr>
-          <p:cNvSpPr>
-            <a:spLocks noGrp="1"/>
-          </p:cNvSpPr>
-          <p:nvPr>
-            <p:ph idx="1"/>
-          </p:nvPr>
-        </p:nvSpPr>
-        <p:spPr/>
-        <p:txBody>
-          <a:bodyPr/>
-          <a:lstStyle/>
-          <a:p>
-            <a:endParaRPr lang="en-US"/>
+              <a:t>Pattern Search with grep</a:t>
+            </a:r>
+          </a:p>
+        </p:txBody>
+      </p:sp>
+      <p:sp>
+        <p:nvSpPr>
+          <p:cNvPr id="5" name="TextBox 4">
+            <a:extLst>
+              <a:ext uri="{FF2B5EF4-FFF2-40B4-BE49-F238E27FC236}">
+                <a16:creationId xmlns:a16="http://schemas.microsoft.com/office/drawing/2014/main" id="{13E55BDB-6092-032E-7508-2A3F842006EA}"/>
+              </a:ext>
+            </a:extLst>
+          </p:cNvPr>
+          <p:cNvSpPr txBox="1"/>
+          <p:nvPr/>
+        </p:nvSpPr>
+        <p:spPr>
+          <a:xfrm>
+            <a:off x="219403" y="2439713"/>
+            <a:ext cx="10863755" cy="1754326"/>
+          </a:xfrm>
+          <a:prstGeom prst="rect">
+            <a:avLst/>
+          </a:prstGeom>
+          <a:noFill/>
+        </p:spPr>
+        <p:txBody>
+          <a:bodyPr wrap="square" rtlCol="0">
+            <a:spAutoFit/>
+          </a:bodyPr>
+          <a:lstStyle/>
+          <a:p>
+            <a:r>
+              <a:rPr lang="en-US" dirty="0">
+                <a:latin typeface="Courier New" panose="02070309020205020404" pitchFamily="49" charset="0"/>
+                <a:cs typeface="Courier New" panose="02070309020205020404" pitchFamily="49" charset="0"/>
+              </a:rPr>
+              <a:t>grep ‘word’ filename </a:t>
+            </a:r>
+            <a:r>
+              <a:rPr lang="en-US" dirty="0">
+                <a:cs typeface="Courier New" panose="02070309020205020404" pitchFamily="49" charset="0"/>
+              </a:rPr>
+              <a:t>–</a:t>
+            </a:r>
+            <a:r>
+              <a:rPr lang="en-US" dirty="0">
+                <a:latin typeface="Courier New" panose="02070309020205020404" pitchFamily="49" charset="0"/>
+                <a:cs typeface="Courier New" panose="02070309020205020404" pitchFamily="49" charset="0"/>
+              </a:rPr>
+              <a:t> </a:t>
+            </a:r>
+            <a:r>
+              <a:rPr lang="en-US" dirty="0">
+                <a:cs typeface="Courier New" panose="02070309020205020404" pitchFamily="49" charset="0"/>
+              </a:rPr>
+              <a:t>searches for ‘word’ in the filename.txt file </a:t>
+            </a:r>
+          </a:p>
+          <a:p>
+            <a:endParaRPr lang="en-US" dirty="0">
+              <a:latin typeface="Courier New" panose="02070309020205020404" pitchFamily="49" charset="0"/>
+              <a:cs typeface="Courier New" panose="02070309020205020404" pitchFamily="49" charset="0"/>
+            </a:endParaRPr>
+          </a:p>
+          <a:p>
+            <a:r>
+              <a:rPr lang="en-US" dirty="0">
+                <a:latin typeface="Courier New" panose="02070309020205020404" pitchFamily="49" charset="0"/>
+                <a:cs typeface="Courier New" panose="02070309020205020404" pitchFamily="49" charset="0"/>
+              </a:rPr>
+              <a:t>grep –r ‘word’ /Documents </a:t>
+            </a:r>
+            <a:r>
+              <a:rPr lang="en-US" dirty="0">
+                <a:cs typeface="Courier New" panose="02070309020205020404" pitchFamily="49" charset="0"/>
+              </a:rPr>
+              <a:t>– recursively searches in all files of the Documents directory for ‘word’</a:t>
+            </a:r>
+            <a:r>
+              <a:rPr lang="en-US" dirty="0">
+                <a:latin typeface="Courier New" panose="02070309020205020404" pitchFamily="49" charset="0"/>
+                <a:cs typeface="Courier New" panose="02070309020205020404" pitchFamily="49" charset="0"/>
+              </a:rPr>
+              <a:t> </a:t>
+            </a:r>
+          </a:p>
+          <a:p>
+            <a:endParaRPr lang="en-US" dirty="0">
+              <a:latin typeface="Courier New" panose="02070309020205020404" pitchFamily="49" charset="0"/>
+              <a:cs typeface="Courier New" panose="02070309020205020404" pitchFamily="49" charset="0"/>
+            </a:endParaRPr>
+          </a:p>
+          <a:p>
+            <a:r>
+              <a:rPr lang="en-US" dirty="0">
+                <a:latin typeface="Courier New" panose="02070309020205020404" pitchFamily="49" charset="0"/>
+                <a:cs typeface="Courier New" panose="02070309020205020404" pitchFamily="49" charset="0"/>
+              </a:rPr>
+              <a:t>grep –r ‘word’ /Documents &gt; grep_output.txt </a:t>
+            </a:r>
+            <a:r>
+              <a:rPr lang="en-US" dirty="0">
+                <a:cs typeface="Courier New" panose="02070309020205020404" pitchFamily="49" charset="0"/>
+              </a:rPr>
+              <a:t>– saves recursive search to grep_output.txt</a:t>
+            </a:r>
+            <a:endParaRPr lang="en-US" dirty="0">
+              <a:latin typeface="Courier New" panose="02070309020205020404" pitchFamily="49" charset="0"/>
+              <a:cs typeface="Courier New" panose="02070309020205020404" pitchFamily="49" charset="0"/>
+            </a:endParaRPr>
+          </a:p>
+          <a:p>
+            <a:endParaRPr lang="en-US" dirty="0">
+              <a:latin typeface="Courier New" panose="02070309020205020404" pitchFamily="49" charset="0"/>
+              <a:cs typeface="Courier New" panose="02070309020205020404" pitchFamily="49" charset="0"/>
+            </a:endParaRPr>
           </a:p>
         </p:txBody>
       </p:sp>
     </p:spTree>
     <p:extLst>
       <p:ext uri="{BB962C8B-B14F-4D97-AF65-F5344CB8AC3E}">
-        <p14:creationId xmlns:p14="http://schemas.microsoft.com/office/powerpoint/2010/main" val="3227303164"/>
+        <p14:creationId xmlns:p14="http://schemas.microsoft.com/office/powerpoint/2010/main" val="2975295539"/>
       </p:ext>
     </p:extLst>
   </p:cSld>
@@ -4691,40 +6781,54 @@
           <a:p>
             <a:r>
               <a:rPr lang="en-US" dirty="0"/>
-              <a:t>Pattern Search with grep</a:t>
-            </a:r>
-          </a:p>
-        </p:txBody>
-      </p:sp>
-      <p:sp>
-        <p:nvSpPr>
-          <p:cNvPr id="3" name="Content Placeholder 2">
-            <a:extLst>
-              <a:ext uri="{FF2B5EF4-FFF2-40B4-BE49-F238E27FC236}">
-                <a16:creationId xmlns:a16="http://schemas.microsoft.com/office/drawing/2014/main" id="{42822FB1-1689-4BDF-6D4A-81F0430A68EF}"/>
-              </a:ext>
-            </a:extLst>
-          </p:cNvPr>
-          <p:cNvSpPr>
-            <a:spLocks noGrp="1"/>
-          </p:cNvSpPr>
-          <p:nvPr>
-            <p:ph idx="1"/>
-          </p:nvPr>
-        </p:nvSpPr>
-        <p:spPr/>
-        <p:txBody>
-          <a:bodyPr/>
-          <a:lstStyle/>
-          <a:p>
-            <a:endParaRPr lang="en-US"/>
+              <a:t>Replacing characters with sed</a:t>
+            </a:r>
+          </a:p>
+        </p:txBody>
+      </p:sp>
+      <p:sp>
+        <p:nvSpPr>
+          <p:cNvPr id="3" name="TextBox 2">
+            <a:extLst>
+              <a:ext uri="{FF2B5EF4-FFF2-40B4-BE49-F238E27FC236}">
+                <a16:creationId xmlns:a16="http://schemas.microsoft.com/office/drawing/2014/main" id="{4F096EF6-DDBB-4EB2-EBFD-D99ECB80669A}"/>
+              </a:ext>
+            </a:extLst>
+          </p:cNvPr>
+          <p:cNvSpPr txBox="1"/>
+          <p:nvPr/>
+        </p:nvSpPr>
+        <p:spPr>
+          <a:xfrm>
+            <a:off x="2479128" y="2995448"/>
+            <a:ext cx="6873765" cy="369332"/>
+          </a:xfrm>
+          <a:prstGeom prst="rect">
+            <a:avLst/>
+          </a:prstGeom>
+          <a:noFill/>
+        </p:spPr>
+        <p:txBody>
+          <a:bodyPr wrap="square" rtlCol="0">
+            <a:spAutoFit/>
+          </a:bodyPr>
+          <a:lstStyle/>
+          <a:p>
+            <a:r>
+              <a:rPr lang="en-US" dirty="0">
+                <a:latin typeface="Courier New" panose="02070309020205020404" pitchFamily="49" charset="0"/>
+                <a:cs typeface="Courier New" panose="02070309020205020404" pitchFamily="49" charset="0"/>
+              </a:rPr>
+              <a:t>sed ‘s/contig_1/c1/’ file.txt &gt; new_file.txt</a:t>
+            </a:r>
+            <a:endParaRPr lang="en-US" dirty="0"/>
           </a:p>
         </p:txBody>
       </p:sp>
     </p:spTree>
     <p:extLst>
       <p:ext uri="{BB962C8B-B14F-4D97-AF65-F5344CB8AC3E}">
-        <p14:creationId xmlns:p14="http://schemas.microsoft.com/office/powerpoint/2010/main" val="2975295539"/>
+        <p14:creationId xmlns:p14="http://schemas.microsoft.com/office/powerpoint/2010/main" val="1839902039"/>
       </p:ext>
     </p:extLst>
   </p:cSld>
@@ -4774,40 +6878,505 @@
           <a:p>
             <a:r>
               <a:rPr lang="en-US" dirty="0"/>
-              <a:t>Replacing characters with sed</a:t>
-            </a:r>
-          </a:p>
-        </p:txBody>
-      </p:sp>
-      <p:sp>
-        <p:nvSpPr>
-          <p:cNvPr id="3" name="Content Placeholder 2">
-            <a:extLst>
-              <a:ext uri="{FF2B5EF4-FFF2-40B4-BE49-F238E27FC236}">
-                <a16:creationId xmlns:a16="http://schemas.microsoft.com/office/drawing/2014/main" id="{42822FB1-1689-4BDF-6D4A-81F0430A68EF}"/>
-              </a:ext>
-            </a:extLst>
-          </p:cNvPr>
-          <p:cNvSpPr>
-            <a:spLocks noGrp="1"/>
-          </p:cNvSpPr>
-          <p:nvPr>
-            <p:ph idx="1"/>
-          </p:nvPr>
-        </p:nvSpPr>
-        <p:spPr/>
-        <p:txBody>
-          <a:bodyPr/>
-          <a:lstStyle/>
-          <a:p>
-            <a:endParaRPr lang="en-US"/>
+              <a:t>File Permissions</a:t>
+            </a:r>
+          </a:p>
+        </p:txBody>
+      </p:sp>
+      <p:sp>
+        <p:nvSpPr>
+          <p:cNvPr id="4" name="TextBox 3">
+            <a:extLst>
+              <a:ext uri="{FF2B5EF4-FFF2-40B4-BE49-F238E27FC236}">
+                <a16:creationId xmlns:a16="http://schemas.microsoft.com/office/drawing/2014/main" id="{0E64A124-5D67-7645-50EF-5FE1CD2D21E3}"/>
+              </a:ext>
+            </a:extLst>
+          </p:cNvPr>
+          <p:cNvSpPr txBox="1"/>
+          <p:nvPr/>
+        </p:nvSpPr>
+        <p:spPr>
+          <a:xfrm>
+            <a:off x="838200" y="1690688"/>
+            <a:ext cx="2810204" cy="2585323"/>
+          </a:xfrm>
+          <a:prstGeom prst="rect">
+            <a:avLst/>
+          </a:prstGeom>
+          <a:noFill/>
+        </p:spPr>
+        <p:txBody>
+          <a:bodyPr wrap="square" rtlCol="0">
+            <a:spAutoFit/>
+          </a:bodyPr>
+          <a:lstStyle/>
+          <a:p>
+            <a:r>
+              <a:rPr lang="en-US" dirty="0">
+                <a:latin typeface="Courier New" panose="02070309020205020404" pitchFamily="49" charset="0"/>
+                <a:cs typeface="Courier New" panose="02070309020205020404" pitchFamily="49" charset="0"/>
+              </a:rPr>
+              <a:t>ls –l file.txt</a:t>
+            </a:r>
+          </a:p>
+          <a:p>
+            <a:endParaRPr lang="en-US" dirty="0">
+              <a:latin typeface="Courier New" panose="02070309020205020404" pitchFamily="49" charset="0"/>
+              <a:cs typeface="Courier New" panose="02070309020205020404" pitchFamily="49" charset="0"/>
+            </a:endParaRPr>
+          </a:p>
+          <a:p>
+            <a:r>
+              <a:rPr lang="en-US" dirty="0"/>
+              <a:t>Will give an output like this:</a:t>
+            </a:r>
+          </a:p>
+          <a:p>
+            <a:endParaRPr lang="en-US" dirty="0"/>
+          </a:p>
+          <a:p>
+            <a:r>
+              <a:rPr lang="en-US" dirty="0"/>
+              <a:t>-</a:t>
+            </a:r>
+            <a:r>
+              <a:rPr lang="en-US" dirty="0" err="1"/>
+              <a:t>rw</a:t>
+            </a:r>
+            <a:r>
+              <a:rPr lang="en-US" dirty="0"/>
+              <a:t>-</a:t>
+            </a:r>
+            <a:r>
+              <a:rPr lang="en-US" dirty="0" err="1"/>
+              <a:t>rw</a:t>
+            </a:r>
+            <a:r>
+              <a:rPr lang="en-US" dirty="0"/>
+              <a:t>-r– </a:t>
+            </a:r>
+          </a:p>
+          <a:p>
+            <a:endParaRPr lang="en-US" dirty="0"/>
+          </a:p>
+          <a:p>
+            <a:r>
+              <a:rPr lang="en-US" dirty="0"/>
+              <a:t>First 3 = user</a:t>
+            </a:r>
+          </a:p>
+          <a:p>
+            <a:r>
+              <a:rPr lang="en-US" dirty="0"/>
+              <a:t>Second 3 = group</a:t>
+            </a:r>
+          </a:p>
+          <a:p>
+            <a:r>
+              <a:rPr lang="en-US" dirty="0"/>
+              <a:t>Third 3 = everyone else</a:t>
+            </a:r>
+          </a:p>
+        </p:txBody>
+      </p:sp>
+      <p:sp>
+        <p:nvSpPr>
+          <p:cNvPr id="6" name="TextBox 5">
+            <a:extLst>
+              <a:ext uri="{FF2B5EF4-FFF2-40B4-BE49-F238E27FC236}">
+                <a16:creationId xmlns:a16="http://schemas.microsoft.com/office/drawing/2014/main" id="{F9898172-0ED4-9EFC-4C5F-61FC29681115}"/>
+              </a:ext>
+            </a:extLst>
+          </p:cNvPr>
+          <p:cNvSpPr txBox="1"/>
+          <p:nvPr/>
+        </p:nvSpPr>
+        <p:spPr>
+          <a:xfrm>
+            <a:off x="5743804" y="1709147"/>
+            <a:ext cx="6229659" cy="1200329"/>
+          </a:xfrm>
+          <a:prstGeom prst="rect">
+            <a:avLst/>
+          </a:prstGeom>
+          <a:noFill/>
+        </p:spPr>
+        <p:txBody>
+          <a:bodyPr wrap="square" rtlCol="0">
+            <a:spAutoFit/>
+          </a:bodyPr>
+          <a:lstStyle/>
+          <a:p>
+            <a:r>
+              <a:rPr lang="en-US" b="1" dirty="0">
+                <a:cs typeface="Courier New" panose="02070309020205020404" pitchFamily="49" charset="0"/>
+              </a:rPr>
+              <a:t>Common usage</a:t>
+            </a:r>
+          </a:p>
+          <a:p>
+            <a:endParaRPr lang="en-US" dirty="0">
+              <a:cs typeface="Courier New" panose="02070309020205020404" pitchFamily="49" charset="0"/>
+            </a:endParaRPr>
+          </a:p>
+          <a:p>
+            <a:r>
+              <a:rPr lang="en-US" dirty="0" err="1">
+                <a:latin typeface="Courier New" panose="02070309020205020404" pitchFamily="49" charset="0"/>
+                <a:cs typeface="Courier New" panose="02070309020205020404" pitchFamily="49" charset="0"/>
+              </a:rPr>
+              <a:t>chmod</a:t>
+            </a:r>
+            <a:r>
+              <a:rPr lang="en-US" dirty="0">
+                <a:latin typeface="Courier New" panose="02070309020205020404" pitchFamily="49" charset="0"/>
+                <a:cs typeface="Courier New" panose="02070309020205020404" pitchFamily="49" charset="0"/>
+              </a:rPr>
+              <a:t> </a:t>
+            </a:r>
+            <a:r>
+              <a:rPr lang="en-US" dirty="0" err="1">
+                <a:latin typeface="Courier New" panose="02070309020205020404" pitchFamily="49" charset="0"/>
+                <a:cs typeface="Courier New" panose="02070309020205020404" pitchFamily="49" charset="0"/>
+              </a:rPr>
+              <a:t>u+x</a:t>
+            </a:r>
+            <a:r>
+              <a:rPr lang="en-US" dirty="0">
+                <a:latin typeface="Courier New" panose="02070309020205020404" pitchFamily="49" charset="0"/>
+                <a:cs typeface="Courier New" panose="02070309020205020404" pitchFamily="49" charset="0"/>
+              </a:rPr>
+              <a:t> file.txt</a:t>
+            </a:r>
+            <a:r>
+              <a:rPr lang="en-US" dirty="0">
+                <a:cs typeface="Courier New" panose="02070309020205020404" pitchFamily="49" charset="0"/>
+              </a:rPr>
+              <a:t>– makes files executable for user</a:t>
+            </a:r>
+          </a:p>
+          <a:p>
+            <a:endParaRPr lang="en-US" dirty="0">
+              <a:latin typeface="Courier New" panose="02070309020205020404" pitchFamily="49" charset="0"/>
+              <a:cs typeface="Courier New" panose="02070309020205020404" pitchFamily="49" charset="0"/>
+            </a:endParaRPr>
+          </a:p>
+        </p:txBody>
+      </p:sp>
+      <p:sp>
+        <p:nvSpPr>
+          <p:cNvPr id="8" name="TextBox 7">
+            <a:extLst>
+              <a:ext uri="{FF2B5EF4-FFF2-40B4-BE49-F238E27FC236}">
+                <a16:creationId xmlns:a16="http://schemas.microsoft.com/office/drawing/2014/main" id="{5FFDF076-D3A2-73D5-1241-FFF139AE51C8}"/>
+              </a:ext>
+            </a:extLst>
+          </p:cNvPr>
+          <p:cNvSpPr txBox="1"/>
+          <p:nvPr/>
+        </p:nvSpPr>
+        <p:spPr>
+          <a:xfrm>
+            <a:off x="2657370" y="4808911"/>
+            <a:ext cx="1613337" cy="1754326"/>
+          </a:xfrm>
+          <a:prstGeom prst="rect">
+            <a:avLst/>
+          </a:prstGeom>
+          <a:noFill/>
+        </p:spPr>
+        <p:txBody>
+          <a:bodyPr wrap="square" rtlCol="0">
+            <a:spAutoFit/>
+          </a:bodyPr>
+          <a:lstStyle/>
+          <a:p>
+            <a:r>
+              <a:rPr lang="en-US" b="1" dirty="0">
+                <a:cs typeface="Courier New" panose="02070309020205020404" pitchFamily="49" charset="0"/>
+              </a:rPr>
+              <a:t>‘Who’ values</a:t>
+            </a:r>
+            <a:endParaRPr lang="en-US" dirty="0">
+              <a:cs typeface="Courier New" panose="02070309020205020404" pitchFamily="49" charset="0"/>
+            </a:endParaRPr>
+          </a:p>
+          <a:p>
+            <a:r>
+              <a:rPr lang="en-US" dirty="0">
+                <a:latin typeface="Courier New" panose="02070309020205020404" pitchFamily="49" charset="0"/>
+                <a:cs typeface="Courier New" panose="02070309020205020404" pitchFamily="49" charset="0"/>
+              </a:rPr>
+              <a:t>u – </a:t>
+            </a:r>
+            <a:r>
+              <a:rPr lang="en-US" dirty="0">
+                <a:cs typeface="Courier New" panose="02070309020205020404" pitchFamily="49" charset="0"/>
+              </a:rPr>
+              <a:t>user</a:t>
+            </a:r>
+          </a:p>
+          <a:p>
+            <a:r>
+              <a:rPr lang="en-US" dirty="0">
+                <a:latin typeface="Courier New" panose="02070309020205020404" pitchFamily="49" charset="0"/>
+                <a:cs typeface="Courier New" panose="02070309020205020404" pitchFamily="49" charset="0"/>
+              </a:rPr>
+              <a:t>g - </a:t>
+            </a:r>
+            <a:r>
+              <a:rPr lang="en-US" dirty="0">
+                <a:cs typeface="Courier New" panose="02070309020205020404" pitchFamily="49" charset="0"/>
+              </a:rPr>
+              <a:t>group</a:t>
+            </a:r>
+          </a:p>
+          <a:p>
+            <a:r>
+              <a:rPr lang="en-US" dirty="0">
+                <a:latin typeface="Courier New" panose="02070309020205020404" pitchFamily="49" charset="0"/>
+                <a:cs typeface="Courier New" panose="02070309020205020404" pitchFamily="49" charset="0"/>
+              </a:rPr>
+              <a:t>o – </a:t>
+            </a:r>
+            <a:r>
+              <a:rPr lang="en-US" dirty="0">
+                <a:cs typeface="Courier New" panose="02070309020205020404" pitchFamily="49" charset="0"/>
+              </a:rPr>
+              <a:t>others</a:t>
+            </a:r>
+            <a:r>
+              <a:rPr lang="en-US" dirty="0">
+                <a:latin typeface="Courier New" panose="02070309020205020404" pitchFamily="49" charset="0"/>
+                <a:cs typeface="Courier New" panose="02070309020205020404" pitchFamily="49" charset="0"/>
+              </a:rPr>
+              <a:t> </a:t>
+            </a:r>
+          </a:p>
+          <a:p>
+            <a:r>
+              <a:rPr lang="en-US" dirty="0">
+                <a:latin typeface="Courier New" panose="02070309020205020404" pitchFamily="49" charset="0"/>
+                <a:cs typeface="Courier New" panose="02070309020205020404" pitchFamily="49" charset="0"/>
+              </a:rPr>
+              <a:t>a - </a:t>
+            </a:r>
+            <a:r>
+              <a:rPr lang="en-US" dirty="0">
+                <a:cs typeface="Courier New" panose="02070309020205020404" pitchFamily="49" charset="0"/>
+              </a:rPr>
+              <a:t>all</a:t>
+            </a:r>
+          </a:p>
+          <a:p>
+            <a:endParaRPr lang="en-US" dirty="0">
+              <a:latin typeface="Courier New" panose="02070309020205020404" pitchFamily="49" charset="0"/>
+              <a:cs typeface="Courier New" panose="02070309020205020404" pitchFamily="49" charset="0"/>
+            </a:endParaRPr>
+          </a:p>
+        </p:txBody>
+      </p:sp>
+      <p:sp>
+        <p:nvSpPr>
+          <p:cNvPr id="10" name="TextBox 9">
+            <a:extLst>
+              <a:ext uri="{FF2B5EF4-FFF2-40B4-BE49-F238E27FC236}">
+                <a16:creationId xmlns:a16="http://schemas.microsoft.com/office/drawing/2014/main" id="{570987B1-B040-965E-AD08-8E407588263A}"/>
+              </a:ext>
+            </a:extLst>
+          </p:cNvPr>
+          <p:cNvSpPr txBox="1"/>
+          <p:nvPr/>
+        </p:nvSpPr>
+        <p:spPr>
+          <a:xfrm>
+            <a:off x="4583452" y="4778871"/>
+            <a:ext cx="2286001" cy="2031325"/>
+          </a:xfrm>
+          <a:prstGeom prst="rect">
+            <a:avLst/>
+          </a:prstGeom>
+          <a:noFill/>
+        </p:spPr>
+        <p:txBody>
+          <a:bodyPr wrap="square" rtlCol="0">
+            <a:spAutoFit/>
+          </a:bodyPr>
+          <a:lstStyle/>
+          <a:p>
+            <a:r>
+              <a:rPr lang="en-US" b="1" dirty="0">
+                <a:cs typeface="Courier New" panose="02070309020205020404" pitchFamily="49" charset="0"/>
+              </a:rPr>
+              <a:t>‘What’ values</a:t>
+            </a:r>
+            <a:endParaRPr lang="en-US" dirty="0">
+              <a:cs typeface="Courier New" panose="02070309020205020404" pitchFamily="49" charset="0"/>
+            </a:endParaRPr>
+          </a:p>
+          <a:p>
+            <a:r>
+              <a:rPr lang="en-US" dirty="0">
+                <a:latin typeface="Courier New" panose="02070309020205020404" pitchFamily="49" charset="0"/>
+                <a:cs typeface="Courier New" panose="02070309020205020404" pitchFamily="49" charset="0"/>
+              </a:rPr>
+              <a:t>- – </a:t>
+            </a:r>
+            <a:r>
+              <a:rPr lang="en-US" dirty="0">
+                <a:cs typeface="Courier New" panose="02070309020205020404" pitchFamily="49" charset="0"/>
+              </a:rPr>
+              <a:t>remove</a:t>
+            </a:r>
+          </a:p>
+          <a:p>
+            <a:r>
+              <a:rPr lang="en-US" dirty="0">
+                <a:latin typeface="Courier New" panose="02070309020205020404" pitchFamily="49" charset="0"/>
+                <a:cs typeface="Courier New" panose="02070309020205020404" pitchFamily="49" charset="0"/>
+              </a:rPr>
+              <a:t>+ - </a:t>
+            </a:r>
+            <a:r>
+              <a:rPr lang="en-US" dirty="0">
+                <a:cs typeface="Courier New" panose="02070309020205020404" pitchFamily="49" charset="0"/>
+              </a:rPr>
+              <a:t>add</a:t>
+            </a:r>
+          </a:p>
+          <a:p>
+            <a:r>
+              <a:rPr lang="en-US" dirty="0">
+                <a:latin typeface="Courier New" panose="02070309020205020404" pitchFamily="49" charset="0"/>
+                <a:cs typeface="Courier New" panose="02070309020205020404" pitchFamily="49" charset="0"/>
+              </a:rPr>
+              <a:t>= – </a:t>
+            </a:r>
+            <a:r>
+              <a:rPr lang="en-US" dirty="0">
+                <a:cs typeface="Courier New" panose="02070309020205020404" pitchFamily="49" charset="0"/>
+              </a:rPr>
+              <a:t>set permission and remove others </a:t>
+            </a:r>
+          </a:p>
+          <a:p>
+            <a:endParaRPr lang="en-US" dirty="0">
+              <a:cs typeface="Courier New" panose="02070309020205020404" pitchFamily="49" charset="0"/>
+            </a:endParaRPr>
+          </a:p>
+          <a:p>
+            <a:endParaRPr lang="en-US" dirty="0">
+              <a:latin typeface="Courier New" panose="02070309020205020404" pitchFamily="49" charset="0"/>
+              <a:cs typeface="Courier New" panose="02070309020205020404" pitchFamily="49" charset="0"/>
+            </a:endParaRPr>
+          </a:p>
+        </p:txBody>
+      </p:sp>
+      <p:sp>
+        <p:nvSpPr>
+          <p:cNvPr id="12" name="TextBox 11">
+            <a:extLst>
+              <a:ext uri="{FF2B5EF4-FFF2-40B4-BE49-F238E27FC236}">
+                <a16:creationId xmlns:a16="http://schemas.microsoft.com/office/drawing/2014/main" id="{32BD946C-26D9-CAA2-4C12-40907B853A5F}"/>
+              </a:ext>
+            </a:extLst>
+          </p:cNvPr>
+          <p:cNvSpPr txBox="1"/>
+          <p:nvPr/>
+        </p:nvSpPr>
+        <p:spPr>
+          <a:xfrm>
+            <a:off x="6869453" y="4862910"/>
+            <a:ext cx="2019299" cy="1477328"/>
+          </a:xfrm>
+          <a:prstGeom prst="rect">
+            <a:avLst/>
+          </a:prstGeom>
+          <a:noFill/>
+        </p:spPr>
+        <p:txBody>
+          <a:bodyPr wrap="square" rtlCol="0">
+            <a:spAutoFit/>
+          </a:bodyPr>
+          <a:lstStyle/>
+          <a:p>
+            <a:r>
+              <a:rPr lang="en-US" b="1" dirty="0">
+                <a:cs typeface="Courier New" panose="02070309020205020404" pitchFamily="49" charset="0"/>
+              </a:rPr>
+              <a:t>‘Which’ values</a:t>
+            </a:r>
+            <a:endParaRPr lang="en-US" dirty="0">
+              <a:cs typeface="Courier New" panose="02070309020205020404" pitchFamily="49" charset="0"/>
+            </a:endParaRPr>
+          </a:p>
+          <a:p>
+            <a:r>
+              <a:rPr lang="en-US" dirty="0">
+                <a:latin typeface="Courier New" panose="02070309020205020404" pitchFamily="49" charset="0"/>
+                <a:cs typeface="Courier New" panose="02070309020205020404" pitchFamily="49" charset="0"/>
+              </a:rPr>
+              <a:t>r – </a:t>
+            </a:r>
+            <a:r>
+              <a:rPr lang="en-US" dirty="0">
+                <a:cs typeface="Courier New" panose="02070309020205020404" pitchFamily="49" charset="0"/>
+              </a:rPr>
+              <a:t>read</a:t>
+            </a:r>
+          </a:p>
+          <a:p>
+            <a:r>
+              <a:rPr lang="en-US" dirty="0">
+                <a:latin typeface="Courier New" panose="02070309020205020404" pitchFamily="49" charset="0"/>
+                <a:cs typeface="Courier New" panose="02070309020205020404" pitchFamily="49" charset="0"/>
+              </a:rPr>
+              <a:t>w - </a:t>
+            </a:r>
+            <a:r>
+              <a:rPr lang="en-US" dirty="0">
+                <a:cs typeface="Courier New" panose="02070309020205020404" pitchFamily="49" charset="0"/>
+              </a:rPr>
+              <a:t>write</a:t>
+            </a:r>
+          </a:p>
+          <a:p>
+            <a:r>
+              <a:rPr lang="en-US" dirty="0">
+                <a:latin typeface="Courier New" panose="02070309020205020404" pitchFamily="49" charset="0"/>
+                <a:cs typeface="Courier New" panose="02070309020205020404" pitchFamily="49" charset="0"/>
+              </a:rPr>
+              <a:t>x – </a:t>
+            </a:r>
+            <a:r>
+              <a:rPr lang="en-US" dirty="0">
+                <a:cs typeface="Courier New" panose="02070309020205020404" pitchFamily="49" charset="0"/>
+              </a:rPr>
+              <a:t>execute</a:t>
+            </a:r>
+            <a:r>
+              <a:rPr lang="en-US" dirty="0">
+                <a:latin typeface="Courier New" panose="02070309020205020404" pitchFamily="49" charset="0"/>
+                <a:cs typeface="Courier New" panose="02070309020205020404" pitchFamily="49" charset="0"/>
+              </a:rPr>
+              <a:t> </a:t>
+            </a:r>
+            <a:endParaRPr lang="en-US" dirty="0">
+              <a:cs typeface="Courier New" panose="02070309020205020404" pitchFamily="49" charset="0"/>
+            </a:endParaRPr>
+          </a:p>
+          <a:p>
+            <a:endParaRPr lang="en-US" dirty="0">
+              <a:latin typeface="Courier New" panose="02070309020205020404" pitchFamily="49" charset="0"/>
+              <a:cs typeface="Courier New" panose="02070309020205020404" pitchFamily="49" charset="0"/>
+            </a:endParaRPr>
           </a:p>
         </p:txBody>
       </p:sp>
     </p:spTree>
     <p:extLst>
       <p:ext uri="{BB962C8B-B14F-4D97-AF65-F5344CB8AC3E}">
-        <p14:creationId xmlns:p14="http://schemas.microsoft.com/office/powerpoint/2010/main" val="1839902039"/>
+        <p14:creationId xmlns:p14="http://schemas.microsoft.com/office/powerpoint/2010/main" val="996997540"/>
       </p:ext>
     </p:extLst>
   </p:cSld>
